--- a/images/projects/Presentation1.pptx
+++ b/images/projects/Presentation1.pptx
@@ -6,6 +6,7 @@
   </p:sldMasterIdLst>
   <p:sldIdLst>
     <p:sldId id="256" r:id="rId2"/>
+    <p:sldId id="257" r:id="rId3"/>
   </p:sldIdLst>
   <p:sldSz cx="10799763" cy="5040313"/>
   <p:notesSz cx="6858000" cy="9144000"/>
@@ -104,6 +105,11 @@
       </a:defRPr>
     </a:lvl9pPr>
   </p:defaultTextStyle>
+  <p:extLst>
+    <p:ext uri="{EFAFB233-063F-42B5-8137-9DF3F51BA10A}">
+      <p15:sldGuideLst xmlns:p15="http://schemas.microsoft.com/office/powerpoint/2012/main"/>
+    </p:ext>
+  </p:extLst>
 </p:presentation>
 </file>
 
@@ -238,7 +244,7 @@
           <a:p>
             <a:fld id="{33410655-8652-4A1C-BE76-224AE6BB833E}" type="datetimeFigureOut">
               <a:rPr lang="en-US" smtClean="0"/>
-              <a:t>1/15/2026</a:t>
+              <a:t>1/16/2026</a:t>
             </a:fld>
             <a:endParaRPr lang="en-US"/>
           </a:p>
@@ -408,7 +414,7 @@
           <a:p>
             <a:fld id="{33410655-8652-4A1C-BE76-224AE6BB833E}" type="datetimeFigureOut">
               <a:rPr lang="en-US" smtClean="0"/>
-              <a:t>1/15/2026</a:t>
+              <a:t>1/16/2026</a:t>
             </a:fld>
             <a:endParaRPr lang="en-US"/>
           </a:p>
@@ -588,7 +594,7 @@
           <a:p>
             <a:fld id="{33410655-8652-4A1C-BE76-224AE6BB833E}" type="datetimeFigureOut">
               <a:rPr lang="en-US" smtClean="0"/>
-              <a:t>1/15/2026</a:t>
+              <a:t>1/16/2026</a:t>
             </a:fld>
             <a:endParaRPr lang="en-US"/>
           </a:p>
@@ -758,7 +764,7 @@
           <a:p>
             <a:fld id="{33410655-8652-4A1C-BE76-224AE6BB833E}" type="datetimeFigureOut">
               <a:rPr lang="en-US" smtClean="0"/>
-              <a:t>1/15/2026</a:t>
+              <a:t>1/16/2026</a:t>
             </a:fld>
             <a:endParaRPr lang="en-US"/>
           </a:p>
@@ -1004,7 +1010,7 @@
           <a:p>
             <a:fld id="{33410655-8652-4A1C-BE76-224AE6BB833E}" type="datetimeFigureOut">
               <a:rPr lang="en-US" smtClean="0"/>
-              <a:t>1/15/2026</a:t>
+              <a:t>1/16/2026</a:t>
             </a:fld>
             <a:endParaRPr lang="en-US"/>
           </a:p>
@@ -1236,7 +1242,7 @@
           <a:p>
             <a:fld id="{33410655-8652-4A1C-BE76-224AE6BB833E}" type="datetimeFigureOut">
               <a:rPr lang="en-US" smtClean="0"/>
-              <a:t>1/15/2026</a:t>
+              <a:t>1/16/2026</a:t>
             </a:fld>
             <a:endParaRPr lang="en-US"/>
           </a:p>
@@ -1603,7 +1609,7 @@
           <a:p>
             <a:fld id="{33410655-8652-4A1C-BE76-224AE6BB833E}" type="datetimeFigureOut">
               <a:rPr lang="en-US" smtClean="0"/>
-              <a:t>1/15/2026</a:t>
+              <a:t>1/16/2026</a:t>
             </a:fld>
             <a:endParaRPr lang="en-US"/>
           </a:p>
@@ -1721,7 +1727,7 @@
           <a:p>
             <a:fld id="{33410655-8652-4A1C-BE76-224AE6BB833E}" type="datetimeFigureOut">
               <a:rPr lang="en-US" smtClean="0"/>
-              <a:t>1/15/2026</a:t>
+              <a:t>1/16/2026</a:t>
             </a:fld>
             <a:endParaRPr lang="en-US"/>
           </a:p>
@@ -1816,7 +1822,7 @@
           <a:p>
             <a:fld id="{33410655-8652-4A1C-BE76-224AE6BB833E}" type="datetimeFigureOut">
               <a:rPr lang="en-US" smtClean="0"/>
-              <a:t>1/15/2026</a:t>
+              <a:t>1/16/2026</a:t>
             </a:fld>
             <a:endParaRPr lang="en-US"/>
           </a:p>
@@ -2093,7 +2099,7 @@
           <a:p>
             <a:fld id="{33410655-8652-4A1C-BE76-224AE6BB833E}" type="datetimeFigureOut">
               <a:rPr lang="en-US" smtClean="0"/>
-              <a:t>1/15/2026</a:t>
+              <a:t>1/16/2026</a:t>
             </a:fld>
             <a:endParaRPr lang="en-US"/>
           </a:p>
@@ -2350,7 +2356,7 @@
           <a:p>
             <a:fld id="{33410655-8652-4A1C-BE76-224AE6BB833E}" type="datetimeFigureOut">
               <a:rPr lang="en-US" smtClean="0"/>
-              <a:t>1/15/2026</a:t>
+              <a:t>1/16/2026</a:t>
             </a:fld>
             <a:endParaRPr lang="en-US"/>
           </a:p>
@@ -2563,7 +2569,7 @@
           <a:p>
             <a:fld id="{33410655-8652-4A1C-BE76-224AE6BB833E}" type="datetimeFigureOut">
               <a:rPr lang="en-US" smtClean="0"/>
-              <a:t>1/15/2026</a:t>
+              <a:t>1/16/2026</a:t>
             </a:fld>
             <a:endParaRPr lang="en-US"/>
           </a:p>
@@ -3325,6 +3331,1290 @@
 </p:sld>
 </file>
 
+<file path=ppt/slides/slide2.xml><?xml version="1.0" encoding="utf-8"?>
+<p:sld xmlns:a="http://schemas.openxmlformats.org/drawingml/2006/main" xmlns:r="http://schemas.openxmlformats.org/officeDocument/2006/relationships" xmlns:p="http://schemas.openxmlformats.org/presentationml/2006/main">
+  <p:cSld>
+    <p:bg>
+      <p:bgPr>
+        <a:solidFill>
+          <a:schemeClr val="tx2">
+            <a:lumMod val="90000"/>
+            <a:lumOff val="10000"/>
+          </a:schemeClr>
+        </a:solidFill>
+        <a:effectLst/>
+      </p:bgPr>
+    </p:bg>
+    <p:spTree>
+      <p:nvGrpSpPr>
+        <p:cNvPr id="1" name=""/>
+        <p:cNvGrpSpPr/>
+        <p:nvPr/>
+      </p:nvGrpSpPr>
+      <p:grpSpPr>
+        <a:xfrm>
+          <a:off x="0" y="0"/>
+          <a:ext cx="0" cy="0"/>
+          <a:chOff x="0" y="0"/>
+          <a:chExt cx="0" cy="0"/>
+        </a:xfrm>
+      </p:grpSpPr>
+      <p:sp>
+        <p:nvSpPr>
+          <p:cNvPr id="2" name="Rectangle: Rounded Corners 1">
+            <a:extLst>
+              <a:ext uri="{FF2B5EF4-FFF2-40B4-BE49-F238E27FC236}">
+                <a16:creationId xmlns:a16="http://schemas.microsoft.com/office/drawing/2014/main" id="{E0DBBDFD-C972-7A00-A0EC-D13493BF230F}"/>
+              </a:ext>
+            </a:extLst>
+          </p:cNvPr>
+          <p:cNvSpPr/>
+          <p:nvPr/>
+        </p:nvSpPr>
+        <p:spPr>
+          <a:xfrm>
+            <a:off x="2379130" y="1574808"/>
+            <a:ext cx="1642532" cy="615150"/>
+          </a:xfrm>
+          <a:prstGeom prst="roundRect">
+            <a:avLst/>
+          </a:prstGeom>
+          <a:noFill/>
+          <a:ln w="19050">
+            <a:solidFill>
+              <a:srgbClr val="D9D2C8"/>
+            </a:solidFill>
+          </a:ln>
+        </p:spPr>
+        <p:style>
+          <a:lnRef idx="2">
+            <a:schemeClr val="accent1">
+              <a:shade val="15000"/>
+            </a:schemeClr>
+          </a:lnRef>
+          <a:fillRef idx="1">
+            <a:schemeClr val="accent1"/>
+          </a:fillRef>
+          <a:effectRef idx="0">
+            <a:schemeClr val="accent1"/>
+          </a:effectRef>
+          <a:fontRef idx="minor">
+            <a:schemeClr val="lt1"/>
+          </a:fontRef>
+        </p:style>
+        <p:txBody>
+          <a:bodyPr rtlCol="0" anchor="ctr"/>
+          <a:lstStyle/>
+          <a:p>
+            <a:pPr algn="ctr"/>
+            <a:r>
+              <a:rPr lang="en-US" sz="1600" dirty="0"/>
+              <a:t>Web Research Agent</a:t>
+            </a:r>
+          </a:p>
+        </p:txBody>
+      </p:sp>
+      <p:sp>
+        <p:nvSpPr>
+          <p:cNvPr id="3" name="Rectangle: Rounded Corners 2">
+            <a:extLst>
+              <a:ext uri="{FF2B5EF4-FFF2-40B4-BE49-F238E27FC236}">
+                <a16:creationId xmlns:a16="http://schemas.microsoft.com/office/drawing/2014/main" id="{65AB92D4-2B7A-51BC-79D4-CB3F8B1E8DDE}"/>
+              </a:ext>
+            </a:extLst>
+          </p:cNvPr>
+          <p:cNvSpPr/>
+          <p:nvPr/>
+        </p:nvSpPr>
+        <p:spPr>
+          <a:xfrm>
+            <a:off x="4656664" y="1574809"/>
+            <a:ext cx="1642532" cy="615150"/>
+          </a:xfrm>
+          <a:prstGeom prst="roundRect">
+            <a:avLst/>
+          </a:prstGeom>
+          <a:noFill/>
+          <a:ln w="19050">
+            <a:solidFill>
+              <a:srgbClr val="D9D2C8"/>
+            </a:solidFill>
+          </a:ln>
+        </p:spPr>
+        <p:style>
+          <a:lnRef idx="2">
+            <a:schemeClr val="accent1">
+              <a:shade val="15000"/>
+            </a:schemeClr>
+          </a:lnRef>
+          <a:fillRef idx="1">
+            <a:schemeClr val="accent1"/>
+          </a:fillRef>
+          <a:effectRef idx="0">
+            <a:schemeClr val="accent1"/>
+          </a:effectRef>
+          <a:fontRef idx="minor">
+            <a:schemeClr val="lt1"/>
+          </a:fontRef>
+        </p:style>
+        <p:txBody>
+          <a:bodyPr rtlCol="0" anchor="ctr"/>
+          <a:lstStyle/>
+          <a:p>
+            <a:pPr algn="ctr"/>
+            <a:r>
+              <a:rPr lang="en-US" sz="1600" dirty="0"/>
+              <a:t>Text Analysis Agent</a:t>
+            </a:r>
+          </a:p>
+        </p:txBody>
+      </p:sp>
+      <p:sp>
+        <p:nvSpPr>
+          <p:cNvPr id="4" name="Rectangle: Rounded Corners 3">
+            <a:extLst>
+              <a:ext uri="{FF2B5EF4-FFF2-40B4-BE49-F238E27FC236}">
+                <a16:creationId xmlns:a16="http://schemas.microsoft.com/office/drawing/2014/main" id="{E616B755-18B3-341C-F702-2CDCE1901F59}"/>
+              </a:ext>
+            </a:extLst>
+          </p:cNvPr>
+          <p:cNvSpPr/>
+          <p:nvPr/>
+        </p:nvSpPr>
+        <p:spPr>
+          <a:xfrm>
+            <a:off x="6934198" y="1574807"/>
+            <a:ext cx="1642532" cy="615150"/>
+          </a:xfrm>
+          <a:prstGeom prst="roundRect">
+            <a:avLst/>
+          </a:prstGeom>
+          <a:noFill/>
+          <a:ln w="19050">
+            <a:solidFill>
+              <a:srgbClr val="D9D2C8"/>
+            </a:solidFill>
+          </a:ln>
+        </p:spPr>
+        <p:style>
+          <a:lnRef idx="2">
+            <a:schemeClr val="accent1">
+              <a:shade val="15000"/>
+            </a:schemeClr>
+          </a:lnRef>
+          <a:fillRef idx="1">
+            <a:schemeClr val="accent1"/>
+          </a:fillRef>
+          <a:effectRef idx="0">
+            <a:schemeClr val="accent1"/>
+          </a:effectRef>
+          <a:fontRef idx="minor">
+            <a:schemeClr val="lt1"/>
+          </a:fontRef>
+        </p:style>
+        <p:txBody>
+          <a:bodyPr rtlCol="0" anchor="ctr"/>
+          <a:lstStyle/>
+          <a:p>
+            <a:pPr algn="ctr"/>
+            <a:r>
+              <a:rPr lang="en-US" sz="1600" dirty="0"/>
+              <a:t>Summary Agent</a:t>
+            </a:r>
+          </a:p>
+        </p:txBody>
+      </p:sp>
+      <p:pic>
+        <p:nvPicPr>
+          <p:cNvPr id="1028" name="Picture 4" descr="Robot - Icônes la technologie gratuites">
+            <a:extLst>
+              <a:ext uri="{FF2B5EF4-FFF2-40B4-BE49-F238E27FC236}">
+                <a16:creationId xmlns:a16="http://schemas.microsoft.com/office/drawing/2014/main" id="{4BC95260-E083-C67F-4F7C-121EBAC1A861}"/>
+              </a:ext>
+            </a:extLst>
+          </p:cNvPr>
+          <p:cNvPicPr>
+            <a:picLocks noChangeAspect="1" noChangeArrowheads="1"/>
+          </p:cNvPicPr>
+          <p:nvPr/>
+        </p:nvPicPr>
+        <p:blipFill>
+          <a:blip r:embed="rId2">
+            <a:extLst>
+              <a:ext uri="{28A0092B-C50C-407E-A947-70E740481C1C}">
+                <a14:useLocalDpi xmlns:a14="http://schemas.microsoft.com/office/drawing/2010/main" val="0"/>
+              </a:ext>
+            </a:extLst>
+          </a:blip>
+          <a:srcRect/>
+          <a:stretch>
+            <a:fillRect/>
+          </a:stretch>
+        </p:blipFill>
+        <p:spPr bwMode="auto">
+          <a:xfrm>
+            <a:off x="2918676" y="1063754"/>
+            <a:ext cx="553244" cy="553244"/>
+          </a:xfrm>
+          <a:prstGeom prst="rect">
+            <a:avLst/>
+          </a:prstGeom>
+          <a:noFill/>
+          <a:extLst>
+            <a:ext uri="{909E8E84-426E-40DD-AFC4-6F175D3DCCD1}">
+              <a14:hiddenFill xmlns:a14="http://schemas.microsoft.com/office/drawing/2010/main">
+                <a:solidFill>
+                  <a:srgbClr val="FFFFFF"/>
+                </a:solidFill>
+              </a14:hiddenFill>
+            </a:ext>
+          </a:extLst>
+        </p:spPr>
+      </p:pic>
+      <p:pic>
+        <p:nvPicPr>
+          <p:cNvPr id="6" name="Picture 4" descr="Robot - Icônes la technologie gratuites">
+            <a:extLst>
+              <a:ext uri="{FF2B5EF4-FFF2-40B4-BE49-F238E27FC236}">
+                <a16:creationId xmlns:a16="http://schemas.microsoft.com/office/drawing/2014/main" id="{E3B3C182-2BCF-4405-ECEC-90129397A440}"/>
+              </a:ext>
+            </a:extLst>
+          </p:cNvPr>
+          <p:cNvPicPr>
+            <a:picLocks noChangeAspect="1" noChangeArrowheads="1"/>
+          </p:cNvPicPr>
+          <p:nvPr/>
+        </p:nvPicPr>
+        <p:blipFill>
+          <a:blip r:embed="rId2">
+            <a:extLst>
+              <a:ext uri="{28A0092B-C50C-407E-A947-70E740481C1C}">
+                <a14:useLocalDpi xmlns:a14="http://schemas.microsoft.com/office/drawing/2010/main" val="0"/>
+              </a:ext>
+            </a:extLst>
+          </a:blip>
+          <a:srcRect/>
+          <a:stretch>
+            <a:fillRect/>
+          </a:stretch>
+        </p:blipFill>
+        <p:spPr bwMode="auto">
+          <a:xfrm>
+            <a:off x="5198988" y="1063754"/>
+            <a:ext cx="553244" cy="553244"/>
+          </a:xfrm>
+          <a:prstGeom prst="rect">
+            <a:avLst/>
+          </a:prstGeom>
+          <a:noFill/>
+          <a:extLst>
+            <a:ext uri="{909E8E84-426E-40DD-AFC4-6F175D3DCCD1}">
+              <a14:hiddenFill xmlns:a14="http://schemas.microsoft.com/office/drawing/2010/main">
+                <a:solidFill>
+                  <a:srgbClr val="FFFFFF"/>
+                </a:solidFill>
+              </a14:hiddenFill>
+            </a:ext>
+          </a:extLst>
+        </p:spPr>
+      </p:pic>
+      <p:pic>
+        <p:nvPicPr>
+          <p:cNvPr id="7" name="Picture 4" descr="Robot - Icônes la technologie gratuites">
+            <a:extLst>
+              <a:ext uri="{FF2B5EF4-FFF2-40B4-BE49-F238E27FC236}">
+                <a16:creationId xmlns:a16="http://schemas.microsoft.com/office/drawing/2014/main" id="{A192A9B1-17DC-81C9-8D8A-5F72FA608D4F}"/>
+              </a:ext>
+            </a:extLst>
+          </p:cNvPr>
+          <p:cNvPicPr>
+            <a:picLocks noChangeAspect="1" noChangeArrowheads="1"/>
+          </p:cNvPicPr>
+          <p:nvPr/>
+        </p:nvPicPr>
+        <p:blipFill>
+          <a:blip r:embed="rId2">
+            <a:extLst>
+              <a:ext uri="{28A0092B-C50C-407E-A947-70E740481C1C}">
+                <a14:useLocalDpi xmlns:a14="http://schemas.microsoft.com/office/drawing/2010/main" val="0"/>
+              </a:ext>
+            </a:extLst>
+          </a:blip>
+          <a:srcRect/>
+          <a:stretch>
+            <a:fillRect/>
+          </a:stretch>
+        </p:blipFill>
+        <p:spPr bwMode="auto">
+          <a:xfrm>
+            <a:off x="7476522" y="1063754"/>
+            <a:ext cx="553244" cy="553244"/>
+          </a:xfrm>
+          <a:prstGeom prst="rect">
+            <a:avLst/>
+          </a:prstGeom>
+          <a:noFill/>
+          <a:extLst>
+            <a:ext uri="{909E8E84-426E-40DD-AFC4-6F175D3DCCD1}">
+              <a14:hiddenFill xmlns:a14="http://schemas.microsoft.com/office/drawing/2010/main">
+                <a:solidFill>
+                  <a:srgbClr val="FFFFFF"/>
+                </a:solidFill>
+              </a14:hiddenFill>
+            </a:ext>
+          </a:extLst>
+        </p:spPr>
+      </p:pic>
+      <p:cxnSp>
+        <p:nvCxnSpPr>
+          <p:cNvPr id="9" name="Straight Arrow Connector 8">
+            <a:extLst>
+              <a:ext uri="{FF2B5EF4-FFF2-40B4-BE49-F238E27FC236}">
+                <a16:creationId xmlns:a16="http://schemas.microsoft.com/office/drawing/2014/main" id="{6000B3EB-8538-3E74-E507-5C7D343A90E3}"/>
+              </a:ext>
+            </a:extLst>
+          </p:cNvPr>
+          <p:cNvCxnSpPr>
+            <a:cxnSpLocks/>
+            <a:stCxn id="2" idx="3"/>
+            <a:endCxn id="3" idx="1"/>
+          </p:cNvCxnSpPr>
+          <p:nvPr/>
+        </p:nvCxnSpPr>
+        <p:spPr>
+          <a:xfrm>
+            <a:off x="4021662" y="1882383"/>
+            <a:ext cx="635002" cy="1"/>
+          </a:xfrm>
+          <a:prstGeom prst="straightConnector1">
+            <a:avLst/>
+          </a:prstGeom>
+          <a:ln w="19050">
+            <a:solidFill>
+              <a:srgbClr val="D9D2C8"/>
+            </a:solidFill>
+            <a:tailEnd type="arrow"/>
+          </a:ln>
+        </p:spPr>
+        <p:style>
+          <a:lnRef idx="2">
+            <a:schemeClr val="accent1"/>
+          </a:lnRef>
+          <a:fillRef idx="0">
+            <a:schemeClr val="accent1"/>
+          </a:fillRef>
+          <a:effectRef idx="1">
+            <a:schemeClr val="accent1"/>
+          </a:effectRef>
+          <a:fontRef idx="minor">
+            <a:schemeClr val="tx1"/>
+          </a:fontRef>
+        </p:style>
+      </p:cxnSp>
+      <p:cxnSp>
+        <p:nvCxnSpPr>
+          <p:cNvPr id="10" name="Straight Arrow Connector 9">
+            <a:extLst>
+              <a:ext uri="{FF2B5EF4-FFF2-40B4-BE49-F238E27FC236}">
+                <a16:creationId xmlns:a16="http://schemas.microsoft.com/office/drawing/2014/main" id="{8A210D42-B3FC-0A10-C99C-FD281F92BA1A}"/>
+              </a:ext>
+            </a:extLst>
+          </p:cNvPr>
+          <p:cNvCxnSpPr>
+            <a:cxnSpLocks/>
+            <a:stCxn id="3" idx="3"/>
+            <a:endCxn id="4" idx="1"/>
+          </p:cNvCxnSpPr>
+          <p:nvPr/>
+        </p:nvCxnSpPr>
+        <p:spPr>
+          <a:xfrm flipV="1">
+            <a:off x="6299196" y="1882382"/>
+            <a:ext cx="635002" cy="2"/>
+          </a:xfrm>
+          <a:prstGeom prst="straightConnector1">
+            <a:avLst/>
+          </a:prstGeom>
+          <a:ln w="19050">
+            <a:solidFill>
+              <a:srgbClr val="D9D2C8"/>
+            </a:solidFill>
+            <a:tailEnd type="arrow"/>
+          </a:ln>
+        </p:spPr>
+        <p:style>
+          <a:lnRef idx="2">
+            <a:schemeClr val="accent1"/>
+          </a:lnRef>
+          <a:fillRef idx="0">
+            <a:schemeClr val="accent1"/>
+          </a:fillRef>
+          <a:effectRef idx="1">
+            <a:schemeClr val="accent1"/>
+          </a:effectRef>
+          <a:fontRef idx="minor">
+            <a:schemeClr val="tx1"/>
+          </a:fontRef>
+        </p:style>
+      </p:cxnSp>
+      <p:sp>
+        <p:nvSpPr>
+          <p:cNvPr id="13" name="Rectangle: Rounded Corners 12">
+            <a:extLst>
+              <a:ext uri="{FF2B5EF4-FFF2-40B4-BE49-F238E27FC236}">
+                <a16:creationId xmlns:a16="http://schemas.microsoft.com/office/drawing/2014/main" id="{AA2A1412-9D6A-FADE-FA0C-86383BBC177E}"/>
+              </a:ext>
+            </a:extLst>
+          </p:cNvPr>
+          <p:cNvSpPr/>
+          <p:nvPr/>
+        </p:nvSpPr>
+        <p:spPr>
+          <a:xfrm>
+            <a:off x="2218263" y="990601"/>
+            <a:ext cx="6527804" cy="1351771"/>
+          </a:xfrm>
+          <a:prstGeom prst="roundRect">
+            <a:avLst/>
+          </a:prstGeom>
+          <a:noFill/>
+          <a:ln w="6350">
+            <a:solidFill>
+              <a:srgbClr val="D9D2C8"/>
+            </a:solidFill>
+            <a:prstDash val="solid"/>
+          </a:ln>
+        </p:spPr>
+        <p:style>
+          <a:lnRef idx="2">
+            <a:schemeClr val="accent1">
+              <a:shade val="15000"/>
+            </a:schemeClr>
+          </a:lnRef>
+          <a:fillRef idx="1">
+            <a:schemeClr val="accent1"/>
+          </a:fillRef>
+          <a:effectRef idx="0">
+            <a:schemeClr val="accent1"/>
+          </a:effectRef>
+          <a:fontRef idx="minor">
+            <a:schemeClr val="lt1"/>
+          </a:fontRef>
+        </p:style>
+        <p:txBody>
+          <a:bodyPr rtlCol="0" anchor="ctr"/>
+          <a:lstStyle/>
+          <a:p>
+            <a:pPr algn="ctr"/>
+            <a:endParaRPr lang="en-US" dirty="0"/>
+          </a:p>
+        </p:txBody>
+      </p:sp>
+      <p:pic>
+        <p:nvPicPr>
+          <p:cNvPr id="1030" name="Picture 6" descr="Free Laptop User Icon - Download SVG, PNG for Business | IconScout">
+            <a:extLst>
+              <a:ext uri="{FF2B5EF4-FFF2-40B4-BE49-F238E27FC236}">
+                <a16:creationId xmlns:a16="http://schemas.microsoft.com/office/drawing/2014/main" id="{B60DEE5C-1C1A-5AAE-A321-42A95C1AA86D}"/>
+              </a:ext>
+            </a:extLst>
+          </p:cNvPr>
+          <p:cNvPicPr>
+            <a:picLocks noChangeAspect="1" noChangeArrowheads="1"/>
+          </p:cNvPicPr>
+          <p:nvPr/>
+        </p:nvPicPr>
+        <p:blipFill>
+          <a:blip r:embed="rId3">
+            <a:extLst>
+              <a:ext uri="{28A0092B-C50C-407E-A947-70E740481C1C}">
+                <a14:useLocalDpi xmlns:a14="http://schemas.microsoft.com/office/drawing/2010/main" val="0"/>
+              </a:ext>
+            </a:extLst>
+          </a:blip>
+          <a:srcRect/>
+          <a:stretch>
+            <a:fillRect/>
+          </a:stretch>
+        </p:blipFill>
+        <p:spPr bwMode="auto">
+          <a:xfrm>
+            <a:off x="524689" y="2182223"/>
+            <a:ext cx="760350" cy="731227"/>
+          </a:xfrm>
+          <a:prstGeom prst="rect">
+            <a:avLst/>
+          </a:prstGeom>
+          <a:noFill/>
+          <a:extLst>
+            <a:ext uri="{909E8E84-426E-40DD-AFC4-6F175D3DCCD1}">
+              <a14:hiddenFill xmlns:a14="http://schemas.microsoft.com/office/drawing/2010/main">
+                <a:solidFill>
+                  <a:srgbClr val="FFFFFF"/>
+                </a:solidFill>
+              </a14:hiddenFill>
+            </a:ext>
+          </a:extLst>
+        </p:spPr>
+      </p:pic>
+      <p:pic>
+        <p:nvPicPr>
+          <p:cNvPr id="1032" name="Picture 8" descr="Result - Free files and folders icons">
+            <a:extLst>
+              <a:ext uri="{FF2B5EF4-FFF2-40B4-BE49-F238E27FC236}">
+                <a16:creationId xmlns:a16="http://schemas.microsoft.com/office/drawing/2014/main" id="{6AC579AF-CC9A-0FC8-2804-8629C7D3704B}"/>
+              </a:ext>
+            </a:extLst>
+          </p:cNvPr>
+          <p:cNvPicPr>
+            <a:picLocks noChangeAspect="1" noChangeArrowheads="1"/>
+          </p:cNvPicPr>
+          <p:nvPr/>
+        </p:nvPicPr>
+        <p:blipFill>
+          <a:blip r:embed="rId4">
+            <a:extLst>
+              <a:ext uri="{28A0092B-C50C-407E-A947-70E740481C1C}">
+                <a14:useLocalDpi xmlns:a14="http://schemas.microsoft.com/office/drawing/2010/main" val="0"/>
+              </a:ext>
+            </a:extLst>
+          </a:blip>
+          <a:srcRect/>
+          <a:stretch>
+            <a:fillRect/>
+          </a:stretch>
+        </p:blipFill>
+        <p:spPr bwMode="auto">
+          <a:xfrm>
+            <a:off x="9651364" y="2176029"/>
+            <a:ext cx="737421" cy="737421"/>
+          </a:xfrm>
+          <a:prstGeom prst="rect">
+            <a:avLst/>
+          </a:prstGeom>
+          <a:noFill/>
+          <a:extLst>
+            <a:ext uri="{909E8E84-426E-40DD-AFC4-6F175D3DCCD1}">
+              <a14:hiddenFill xmlns:a14="http://schemas.microsoft.com/office/drawing/2010/main">
+                <a:solidFill>
+                  <a:srgbClr val="FFFFFF"/>
+                </a:solidFill>
+              </a14:hiddenFill>
+            </a:ext>
+          </a:extLst>
+        </p:spPr>
+      </p:pic>
+      <p:pic>
+        <p:nvPicPr>
+          <p:cNvPr id="14" name="Picture 14" descr="Tools - Free marketing icons">
+            <a:extLst>
+              <a:ext uri="{FF2B5EF4-FFF2-40B4-BE49-F238E27FC236}">
+                <a16:creationId xmlns:a16="http://schemas.microsoft.com/office/drawing/2014/main" id="{B7E8C61A-3FEF-B063-EE0F-47263D8CDA78}"/>
+              </a:ext>
+            </a:extLst>
+          </p:cNvPr>
+          <p:cNvPicPr>
+            <a:picLocks noChangeAspect="1" noChangeArrowheads="1"/>
+          </p:cNvPicPr>
+          <p:nvPr/>
+        </p:nvPicPr>
+        <p:blipFill>
+          <a:blip r:embed="rId5">
+            <a:extLst>
+              <a:ext uri="{28A0092B-C50C-407E-A947-70E740481C1C}">
+                <a14:useLocalDpi xmlns:a14="http://schemas.microsoft.com/office/drawing/2010/main" val="0"/>
+              </a:ext>
+            </a:extLst>
+          </a:blip>
+          <a:srcRect/>
+          <a:stretch>
+            <a:fillRect/>
+          </a:stretch>
+        </p:blipFill>
+        <p:spPr bwMode="auto">
+          <a:xfrm>
+            <a:off x="3134182" y="2723861"/>
+            <a:ext cx="561577" cy="561577"/>
+          </a:xfrm>
+          <a:prstGeom prst="rect">
+            <a:avLst/>
+          </a:prstGeom>
+          <a:noFill/>
+          <a:extLst>
+            <a:ext uri="{909E8E84-426E-40DD-AFC4-6F175D3DCCD1}">
+              <a14:hiddenFill xmlns:a14="http://schemas.microsoft.com/office/drawing/2010/main">
+                <a:solidFill>
+                  <a:srgbClr val="FFFFFF"/>
+                </a:solidFill>
+              </a14:hiddenFill>
+            </a:ext>
+          </a:extLst>
+        </p:spPr>
+      </p:pic>
+      <p:pic>
+        <p:nvPicPr>
+          <p:cNvPr id="15" name="Picture 14" descr="Tools - Free marketing icons">
+            <a:extLst>
+              <a:ext uri="{FF2B5EF4-FFF2-40B4-BE49-F238E27FC236}">
+                <a16:creationId xmlns:a16="http://schemas.microsoft.com/office/drawing/2014/main" id="{68ACAA10-EBCE-CA80-5AB7-1982D6F22CE9}"/>
+              </a:ext>
+            </a:extLst>
+          </p:cNvPr>
+          <p:cNvPicPr>
+            <a:picLocks noChangeAspect="1" noChangeArrowheads="1"/>
+          </p:cNvPicPr>
+          <p:nvPr/>
+        </p:nvPicPr>
+        <p:blipFill>
+          <a:blip r:embed="rId5">
+            <a:extLst>
+              <a:ext uri="{28A0092B-C50C-407E-A947-70E740481C1C}">
+                <a14:useLocalDpi xmlns:a14="http://schemas.microsoft.com/office/drawing/2010/main" val="0"/>
+              </a:ext>
+            </a:extLst>
+          </a:blip>
+          <a:srcRect/>
+          <a:stretch>
+            <a:fillRect/>
+          </a:stretch>
+        </p:blipFill>
+        <p:spPr bwMode="auto">
+          <a:xfrm>
+            <a:off x="7291778" y="2723861"/>
+            <a:ext cx="561577" cy="561577"/>
+          </a:xfrm>
+          <a:prstGeom prst="rect">
+            <a:avLst/>
+          </a:prstGeom>
+          <a:noFill/>
+          <a:extLst>
+            <a:ext uri="{909E8E84-426E-40DD-AFC4-6F175D3DCCD1}">
+              <a14:hiddenFill xmlns:a14="http://schemas.microsoft.com/office/drawing/2010/main">
+                <a:solidFill>
+                  <a:srgbClr val="FFFFFF"/>
+                </a:solidFill>
+              </a14:hiddenFill>
+            </a:ext>
+          </a:extLst>
+        </p:spPr>
+      </p:pic>
+      <p:cxnSp>
+        <p:nvCxnSpPr>
+          <p:cNvPr id="22" name="Straight Connector 21">
+            <a:extLst>
+              <a:ext uri="{FF2B5EF4-FFF2-40B4-BE49-F238E27FC236}">
+                <a16:creationId xmlns:a16="http://schemas.microsoft.com/office/drawing/2014/main" id="{9BB77D47-7249-0AE9-E5B3-571A0741A188}"/>
+              </a:ext>
+            </a:extLst>
+          </p:cNvPr>
+          <p:cNvCxnSpPr>
+            <a:stCxn id="14" idx="3"/>
+            <a:endCxn id="15" idx="1"/>
+          </p:cNvCxnSpPr>
+          <p:nvPr/>
+        </p:nvCxnSpPr>
+        <p:spPr>
+          <a:xfrm>
+            <a:off x="3695759" y="3004650"/>
+            <a:ext cx="3596019" cy="0"/>
+          </a:xfrm>
+          <a:prstGeom prst="line">
+            <a:avLst/>
+          </a:prstGeom>
+          <a:ln w="19050">
+            <a:solidFill>
+              <a:srgbClr val="D9D2C8"/>
+            </a:solidFill>
+          </a:ln>
+        </p:spPr>
+        <p:style>
+          <a:lnRef idx="2">
+            <a:schemeClr val="accent1"/>
+          </a:lnRef>
+          <a:fillRef idx="0">
+            <a:schemeClr val="accent1"/>
+          </a:fillRef>
+          <a:effectRef idx="1">
+            <a:schemeClr val="accent1"/>
+          </a:effectRef>
+          <a:fontRef idx="minor">
+            <a:schemeClr val="tx1"/>
+          </a:fontRef>
+        </p:style>
+      </p:cxnSp>
+      <p:pic>
+        <p:nvPicPr>
+          <p:cNvPr id="1038" name="Picture 14" descr="Tools - Free marketing icons">
+            <a:extLst>
+              <a:ext uri="{FF2B5EF4-FFF2-40B4-BE49-F238E27FC236}">
+                <a16:creationId xmlns:a16="http://schemas.microsoft.com/office/drawing/2014/main" id="{04FF800C-6B41-0D77-390A-574F0ED5D7B4}"/>
+              </a:ext>
+            </a:extLst>
+          </p:cNvPr>
+          <p:cNvPicPr>
+            <a:picLocks noChangeAspect="1" noChangeArrowheads="1"/>
+          </p:cNvPicPr>
+          <p:nvPr/>
+        </p:nvPicPr>
+        <p:blipFill>
+          <a:blip r:embed="rId5">
+            <a:extLst>
+              <a:ext uri="{28A0092B-C50C-407E-A947-70E740481C1C}">
+                <a14:useLocalDpi xmlns:a14="http://schemas.microsoft.com/office/drawing/2010/main" val="0"/>
+              </a:ext>
+            </a:extLst>
+          </a:blip>
+          <a:srcRect/>
+          <a:stretch>
+            <a:fillRect/>
+          </a:stretch>
+        </p:blipFill>
+        <p:spPr bwMode="auto">
+          <a:xfrm>
+            <a:off x="5212980" y="2720446"/>
+            <a:ext cx="561577" cy="561577"/>
+          </a:xfrm>
+          <a:prstGeom prst="rect">
+            <a:avLst/>
+          </a:prstGeom>
+          <a:noFill/>
+          <a:extLst>
+            <a:ext uri="{909E8E84-426E-40DD-AFC4-6F175D3DCCD1}">
+              <a14:hiddenFill xmlns:a14="http://schemas.microsoft.com/office/drawing/2010/main">
+                <a:solidFill>
+                  <a:srgbClr val="FFFFFF"/>
+                </a:solidFill>
+              </a14:hiddenFill>
+            </a:ext>
+          </a:extLst>
+        </p:spPr>
+      </p:pic>
+      <p:cxnSp>
+        <p:nvCxnSpPr>
+          <p:cNvPr id="24" name="Straight Connector 23">
+            <a:extLst>
+              <a:ext uri="{FF2B5EF4-FFF2-40B4-BE49-F238E27FC236}">
+                <a16:creationId xmlns:a16="http://schemas.microsoft.com/office/drawing/2014/main" id="{FEC09B11-F142-0C27-AF21-C1F33A5D3283}"/>
+              </a:ext>
+            </a:extLst>
+          </p:cNvPr>
+          <p:cNvCxnSpPr>
+            <a:cxnSpLocks/>
+            <a:stCxn id="13" idx="2"/>
+          </p:cNvCxnSpPr>
+          <p:nvPr/>
+        </p:nvCxnSpPr>
+        <p:spPr>
+          <a:xfrm>
+            <a:off x="5482165" y="2342372"/>
+            <a:ext cx="11056" cy="384906"/>
+          </a:xfrm>
+          <a:prstGeom prst="line">
+            <a:avLst/>
+          </a:prstGeom>
+          <a:ln w="19050">
+            <a:solidFill>
+              <a:srgbClr val="D9D2C8"/>
+            </a:solidFill>
+          </a:ln>
+        </p:spPr>
+        <p:style>
+          <a:lnRef idx="2">
+            <a:schemeClr val="accent1"/>
+          </a:lnRef>
+          <a:fillRef idx="0">
+            <a:schemeClr val="accent1"/>
+          </a:fillRef>
+          <a:effectRef idx="1">
+            <a:schemeClr val="accent1"/>
+          </a:effectRef>
+          <a:fontRef idx="minor">
+            <a:schemeClr val="tx1"/>
+          </a:fontRef>
+        </p:style>
+      </p:cxnSp>
+      <p:sp>
+        <p:nvSpPr>
+          <p:cNvPr id="28" name="Rectangle: Rounded Corners 27">
+            <a:extLst>
+              <a:ext uri="{FF2B5EF4-FFF2-40B4-BE49-F238E27FC236}">
+                <a16:creationId xmlns:a16="http://schemas.microsoft.com/office/drawing/2014/main" id="{B6F293BE-13DE-8603-A11B-D97E9A2B497C}"/>
+              </a:ext>
+            </a:extLst>
+          </p:cNvPr>
+          <p:cNvSpPr/>
+          <p:nvPr/>
+        </p:nvSpPr>
+        <p:spPr>
+          <a:xfrm>
+            <a:off x="2593704" y="3666924"/>
+            <a:ext cx="1642532" cy="561575"/>
+          </a:xfrm>
+          <a:prstGeom prst="roundRect">
+            <a:avLst/>
+          </a:prstGeom>
+          <a:noFill/>
+          <a:ln w="19050">
+            <a:solidFill>
+              <a:srgbClr val="D9D2C8"/>
+            </a:solidFill>
+          </a:ln>
+        </p:spPr>
+        <p:style>
+          <a:lnRef idx="2">
+            <a:schemeClr val="accent1">
+              <a:shade val="15000"/>
+            </a:schemeClr>
+          </a:lnRef>
+          <a:fillRef idx="1">
+            <a:schemeClr val="accent1"/>
+          </a:fillRef>
+          <a:effectRef idx="0">
+            <a:schemeClr val="accent1"/>
+          </a:effectRef>
+          <a:fontRef idx="minor">
+            <a:schemeClr val="lt1"/>
+          </a:fontRef>
+        </p:style>
+        <p:txBody>
+          <a:bodyPr rtlCol="0" anchor="ctr"/>
+          <a:lstStyle/>
+          <a:p>
+            <a:pPr algn="ctr"/>
+            <a:r>
+              <a:rPr lang="en-US" sz="1600" dirty="0"/>
+              <a:t>Web Search</a:t>
+            </a:r>
+          </a:p>
+          <a:p>
+            <a:pPr algn="ctr"/>
+            <a:r>
+              <a:rPr lang="en-US" sz="1600" dirty="0"/>
+              <a:t>Tool</a:t>
+            </a:r>
+          </a:p>
+        </p:txBody>
+      </p:sp>
+      <p:sp>
+        <p:nvSpPr>
+          <p:cNvPr id="29" name="Rectangle: Rounded Corners 28">
+            <a:extLst>
+              <a:ext uri="{FF2B5EF4-FFF2-40B4-BE49-F238E27FC236}">
+                <a16:creationId xmlns:a16="http://schemas.microsoft.com/office/drawing/2014/main" id="{55FC94D0-6CF8-7C2C-9FFF-22379372D257}"/>
+              </a:ext>
+            </a:extLst>
+          </p:cNvPr>
+          <p:cNvSpPr/>
+          <p:nvPr/>
+        </p:nvSpPr>
+        <p:spPr>
+          <a:xfrm>
+            <a:off x="4671955" y="3666924"/>
+            <a:ext cx="1642532" cy="561575"/>
+          </a:xfrm>
+          <a:prstGeom prst="roundRect">
+            <a:avLst/>
+          </a:prstGeom>
+          <a:noFill/>
+          <a:ln w="19050">
+            <a:solidFill>
+              <a:srgbClr val="D9D2C8"/>
+            </a:solidFill>
+          </a:ln>
+        </p:spPr>
+        <p:style>
+          <a:lnRef idx="2">
+            <a:schemeClr val="accent1">
+              <a:shade val="15000"/>
+            </a:schemeClr>
+          </a:lnRef>
+          <a:fillRef idx="1">
+            <a:schemeClr val="accent1"/>
+          </a:fillRef>
+          <a:effectRef idx="0">
+            <a:schemeClr val="accent1"/>
+          </a:effectRef>
+          <a:fontRef idx="minor">
+            <a:schemeClr val="lt1"/>
+          </a:fontRef>
+        </p:style>
+        <p:txBody>
+          <a:bodyPr rtlCol="0" anchor="ctr"/>
+          <a:lstStyle/>
+          <a:p>
+            <a:pPr algn="ctr"/>
+            <a:r>
+              <a:rPr lang="en-US" sz="1600" dirty="0"/>
+              <a:t>Page Scraper</a:t>
+            </a:r>
+          </a:p>
+          <a:p>
+            <a:pPr algn="ctr"/>
+            <a:r>
+              <a:rPr lang="en-US" sz="1600" dirty="0"/>
+              <a:t>Tool</a:t>
+            </a:r>
+          </a:p>
+        </p:txBody>
+      </p:sp>
+      <p:sp>
+        <p:nvSpPr>
+          <p:cNvPr id="30" name="Rectangle: Rounded Corners 29">
+            <a:extLst>
+              <a:ext uri="{FF2B5EF4-FFF2-40B4-BE49-F238E27FC236}">
+                <a16:creationId xmlns:a16="http://schemas.microsoft.com/office/drawing/2014/main" id="{7A632CBC-1269-2B16-FAD9-39D8E251A553}"/>
+              </a:ext>
+            </a:extLst>
+          </p:cNvPr>
+          <p:cNvSpPr/>
+          <p:nvPr/>
+        </p:nvSpPr>
+        <p:spPr>
+          <a:xfrm>
+            <a:off x="6751300" y="3662850"/>
+            <a:ext cx="1642532" cy="561575"/>
+          </a:xfrm>
+          <a:prstGeom prst="roundRect">
+            <a:avLst/>
+          </a:prstGeom>
+          <a:noFill/>
+          <a:ln w="19050">
+            <a:solidFill>
+              <a:srgbClr val="D9D2C8"/>
+            </a:solidFill>
+          </a:ln>
+        </p:spPr>
+        <p:style>
+          <a:lnRef idx="2">
+            <a:schemeClr val="accent1">
+              <a:shade val="15000"/>
+            </a:schemeClr>
+          </a:lnRef>
+          <a:fillRef idx="1">
+            <a:schemeClr val="accent1"/>
+          </a:fillRef>
+          <a:effectRef idx="0">
+            <a:schemeClr val="accent1"/>
+          </a:effectRef>
+          <a:fontRef idx="minor">
+            <a:schemeClr val="lt1"/>
+          </a:fontRef>
+        </p:style>
+        <p:txBody>
+          <a:bodyPr rtlCol="0" anchor="ctr"/>
+          <a:lstStyle/>
+          <a:p>
+            <a:pPr algn="ctr"/>
+            <a:r>
+              <a:rPr lang="en-US" sz="1600" dirty="0"/>
+              <a:t>File Manager</a:t>
+            </a:r>
+          </a:p>
+          <a:p>
+            <a:pPr algn="ctr"/>
+            <a:r>
+              <a:rPr lang="en-US" sz="1600" dirty="0"/>
+              <a:t>Tool</a:t>
+            </a:r>
+          </a:p>
+        </p:txBody>
+      </p:sp>
+      <p:cxnSp>
+        <p:nvCxnSpPr>
+          <p:cNvPr id="31" name="Straight Arrow Connector 30">
+            <a:extLst>
+              <a:ext uri="{FF2B5EF4-FFF2-40B4-BE49-F238E27FC236}">
+                <a16:creationId xmlns:a16="http://schemas.microsoft.com/office/drawing/2014/main" id="{79A63A04-EA2A-0418-2DC1-3B79FC09A5AF}"/>
+              </a:ext>
+            </a:extLst>
+          </p:cNvPr>
+          <p:cNvCxnSpPr>
+            <a:cxnSpLocks/>
+            <a:stCxn id="15" idx="2"/>
+            <a:endCxn id="30" idx="0"/>
+          </p:cNvCxnSpPr>
+          <p:nvPr/>
+        </p:nvCxnSpPr>
+        <p:spPr>
+          <a:xfrm flipH="1">
+            <a:off x="7572566" y="3285438"/>
+            <a:ext cx="1" cy="377412"/>
+          </a:xfrm>
+          <a:prstGeom prst="straightConnector1">
+            <a:avLst/>
+          </a:prstGeom>
+          <a:ln w="19050">
+            <a:solidFill>
+              <a:srgbClr val="D9D2C8"/>
+            </a:solidFill>
+            <a:tailEnd type="arrow"/>
+          </a:ln>
+        </p:spPr>
+        <p:style>
+          <a:lnRef idx="2">
+            <a:schemeClr val="accent1"/>
+          </a:lnRef>
+          <a:fillRef idx="0">
+            <a:schemeClr val="accent1"/>
+          </a:fillRef>
+          <a:effectRef idx="1">
+            <a:schemeClr val="accent1"/>
+          </a:effectRef>
+          <a:fontRef idx="minor">
+            <a:schemeClr val="tx1"/>
+          </a:fontRef>
+        </p:style>
+      </p:cxnSp>
+      <p:cxnSp>
+        <p:nvCxnSpPr>
+          <p:cNvPr id="34" name="Straight Arrow Connector 33">
+            <a:extLst>
+              <a:ext uri="{FF2B5EF4-FFF2-40B4-BE49-F238E27FC236}">
+                <a16:creationId xmlns:a16="http://schemas.microsoft.com/office/drawing/2014/main" id="{02AB761F-AC91-03E9-5E2E-7E7232A4CF4F}"/>
+              </a:ext>
+            </a:extLst>
+          </p:cNvPr>
+          <p:cNvCxnSpPr>
+            <a:cxnSpLocks/>
+            <a:stCxn id="1038" idx="2"/>
+            <a:endCxn id="29" idx="0"/>
+          </p:cNvCxnSpPr>
+          <p:nvPr/>
+        </p:nvCxnSpPr>
+        <p:spPr>
+          <a:xfrm flipH="1">
+            <a:off x="5493221" y="3282023"/>
+            <a:ext cx="548" cy="384901"/>
+          </a:xfrm>
+          <a:prstGeom prst="straightConnector1">
+            <a:avLst/>
+          </a:prstGeom>
+          <a:ln w="19050">
+            <a:solidFill>
+              <a:srgbClr val="D9D2C8"/>
+            </a:solidFill>
+            <a:tailEnd type="arrow"/>
+          </a:ln>
+        </p:spPr>
+        <p:style>
+          <a:lnRef idx="2">
+            <a:schemeClr val="accent1"/>
+          </a:lnRef>
+          <a:fillRef idx="0">
+            <a:schemeClr val="accent1"/>
+          </a:fillRef>
+          <a:effectRef idx="1">
+            <a:schemeClr val="accent1"/>
+          </a:effectRef>
+          <a:fontRef idx="minor">
+            <a:schemeClr val="tx1"/>
+          </a:fontRef>
+        </p:style>
+      </p:cxnSp>
+      <p:cxnSp>
+        <p:nvCxnSpPr>
+          <p:cNvPr id="37" name="Straight Arrow Connector 36">
+            <a:extLst>
+              <a:ext uri="{FF2B5EF4-FFF2-40B4-BE49-F238E27FC236}">
+                <a16:creationId xmlns:a16="http://schemas.microsoft.com/office/drawing/2014/main" id="{AFB38DE8-FD16-AFEC-0B06-8CC1EBF77B19}"/>
+              </a:ext>
+            </a:extLst>
+          </p:cNvPr>
+          <p:cNvCxnSpPr>
+            <a:cxnSpLocks/>
+            <a:stCxn id="14" idx="2"/>
+            <a:endCxn id="28" idx="0"/>
+          </p:cNvCxnSpPr>
+          <p:nvPr/>
+        </p:nvCxnSpPr>
+        <p:spPr>
+          <a:xfrm flipH="1">
+            <a:off x="3414970" y="3285438"/>
+            <a:ext cx="1" cy="381486"/>
+          </a:xfrm>
+          <a:prstGeom prst="straightConnector1">
+            <a:avLst/>
+          </a:prstGeom>
+          <a:ln w="19050">
+            <a:solidFill>
+              <a:srgbClr val="D9D2C8"/>
+            </a:solidFill>
+            <a:tailEnd type="arrow"/>
+          </a:ln>
+        </p:spPr>
+        <p:style>
+          <a:lnRef idx="2">
+            <a:schemeClr val="accent1"/>
+          </a:lnRef>
+          <a:fillRef idx="0">
+            <a:schemeClr val="accent1"/>
+          </a:fillRef>
+          <a:effectRef idx="1">
+            <a:schemeClr val="accent1"/>
+          </a:effectRef>
+          <a:fontRef idx="minor">
+            <a:schemeClr val="tx1"/>
+          </a:fontRef>
+        </p:style>
+      </p:cxnSp>
+      <p:sp>
+        <p:nvSpPr>
+          <p:cNvPr id="56" name="Rectangle 55">
+            <a:extLst>
+              <a:ext uri="{FF2B5EF4-FFF2-40B4-BE49-F238E27FC236}">
+                <a16:creationId xmlns:a16="http://schemas.microsoft.com/office/drawing/2014/main" id="{903F1823-0647-CB7A-0E96-D1A82F2B271C}"/>
+              </a:ext>
+            </a:extLst>
+          </p:cNvPr>
+          <p:cNvSpPr/>
+          <p:nvPr/>
+        </p:nvSpPr>
+        <p:spPr>
+          <a:xfrm>
+            <a:off x="2053695" y="660407"/>
+            <a:ext cx="6895571" cy="3773366"/>
+          </a:xfrm>
+          <a:prstGeom prst="rect">
+            <a:avLst/>
+          </a:prstGeom>
+          <a:noFill/>
+          <a:ln>
+            <a:solidFill>
+              <a:srgbClr val="D9D2C8"/>
+            </a:solidFill>
+            <a:prstDash val="dashDot"/>
+          </a:ln>
+        </p:spPr>
+        <p:style>
+          <a:lnRef idx="2">
+            <a:schemeClr val="accent1">
+              <a:shade val="15000"/>
+            </a:schemeClr>
+          </a:lnRef>
+          <a:fillRef idx="1">
+            <a:schemeClr val="accent1"/>
+          </a:fillRef>
+          <a:effectRef idx="0">
+            <a:schemeClr val="accent1"/>
+          </a:effectRef>
+          <a:fontRef idx="minor">
+            <a:schemeClr val="lt1"/>
+          </a:fontRef>
+        </p:style>
+        <p:txBody>
+          <a:bodyPr rtlCol="0" anchor="ctr"/>
+          <a:lstStyle/>
+          <a:p>
+            <a:pPr algn="ctr"/>
+            <a:endParaRPr lang="en-US"/>
+          </a:p>
+        </p:txBody>
+      </p:sp>
+      <p:cxnSp>
+        <p:nvCxnSpPr>
+          <p:cNvPr id="61" name="Straight Arrow Connector 60">
+            <a:extLst>
+              <a:ext uri="{FF2B5EF4-FFF2-40B4-BE49-F238E27FC236}">
+                <a16:creationId xmlns:a16="http://schemas.microsoft.com/office/drawing/2014/main" id="{1EF8BF81-0BC5-3DAF-3789-4FD8976E0C10}"/>
+              </a:ext>
+            </a:extLst>
+          </p:cNvPr>
+          <p:cNvCxnSpPr>
+            <a:cxnSpLocks/>
+            <a:stCxn id="56" idx="3"/>
+            <a:endCxn id="1032" idx="1"/>
+          </p:cNvCxnSpPr>
+          <p:nvPr/>
+        </p:nvCxnSpPr>
+        <p:spPr>
+          <a:xfrm flipV="1">
+            <a:off x="8949266" y="2544740"/>
+            <a:ext cx="702098" cy="2350"/>
+          </a:xfrm>
+          <a:prstGeom prst="straightConnector1">
+            <a:avLst/>
+          </a:prstGeom>
+          <a:ln w="19050">
+            <a:solidFill>
+              <a:srgbClr val="D9D2C8"/>
+            </a:solidFill>
+            <a:tailEnd type="arrow"/>
+          </a:ln>
+        </p:spPr>
+        <p:style>
+          <a:lnRef idx="2">
+            <a:schemeClr val="accent1"/>
+          </a:lnRef>
+          <a:fillRef idx="0">
+            <a:schemeClr val="accent1"/>
+          </a:fillRef>
+          <a:effectRef idx="1">
+            <a:schemeClr val="accent1"/>
+          </a:effectRef>
+          <a:fontRef idx="minor">
+            <a:schemeClr val="tx1"/>
+          </a:fontRef>
+        </p:style>
+      </p:cxnSp>
+      <p:cxnSp>
+        <p:nvCxnSpPr>
+          <p:cNvPr id="1024" name="Straight Arrow Connector 1023">
+            <a:extLst>
+              <a:ext uri="{FF2B5EF4-FFF2-40B4-BE49-F238E27FC236}">
+                <a16:creationId xmlns:a16="http://schemas.microsoft.com/office/drawing/2014/main" id="{C7A271D5-FDF2-9073-E7E5-C1852E80A7D9}"/>
+              </a:ext>
+            </a:extLst>
+          </p:cNvPr>
+          <p:cNvCxnSpPr>
+            <a:cxnSpLocks/>
+            <a:stCxn id="1030" idx="3"/>
+            <a:endCxn id="56" idx="1"/>
+          </p:cNvCxnSpPr>
+          <p:nvPr/>
+        </p:nvCxnSpPr>
+        <p:spPr>
+          <a:xfrm flipV="1">
+            <a:off x="1285039" y="2547090"/>
+            <a:ext cx="768656" cy="747"/>
+          </a:xfrm>
+          <a:prstGeom prst="straightConnector1">
+            <a:avLst/>
+          </a:prstGeom>
+          <a:ln w="19050">
+            <a:solidFill>
+              <a:srgbClr val="D9D2C8"/>
+            </a:solidFill>
+            <a:tailEnd type="arrow"/>
+          </a:ln>
+        </p:spPr>
+        <p:style>
+          <a:lnRef idx="2">
+            <a:schemeClr val="accent1"/>
+          </a:lnRef>
+          <a:fillRef idx="0">
+            <a:schemeClr val="accent1"/>
+          </a:fillRef>
+          <a:effectRef idx="1">
+            <a:schemeClr val="accent1"/>
+          </a:effectRef>
+          <a:fontRef idx="minor">
+            <a:schemeClr val="tx1"/>
+          </a:fontRef>
+        </p:style>
+      </p:cxnSp>
+    </p:spTree>
+    <p:extLst>
+      <p:ext uri="{BB962C8B-B14F-4D97-AF65-F5344CB8AC3E}">
+        <p14:creationId xmlns:p14="http://schemas.microsoft.com/office/powerpoint/2010/main" val="3106159364"/>
+      </p:ext>
+    </p:extLst>
+  </p:cSld>
+  <p:clrMapOvr>
+    <a:masterClrMapping/>
+  </p:clrMapOvr>
+</p:sld>
+</file>
+
 <file path=ppt/theme/theme1.xml><?xml version="1.0" encoding="utf-8"?>
 <a:theme xmlns:a="http://schemas.openxmlformats.org/drawingml/2006/main" name="Office Theme">
   <a:themeElements>

--- a/images/projects/Presentation1.pptx
+++ b/images/projects/Presentation1.pptx
@@ -244,7 +244,7 @@
           <a:p>
             <a:fld id="{33410655-8652-4A1C-BE76-224AE6BB833E}" type="datetimeFigureOut">
               <a:rPr lang="en-US" smtClean="0"/>
-              <a:t>1/16/2026</a:t>
+              <a:t>1/23/2026</a:t>
             </a:fld>
             <a:endParaRPr lang="en-US"/>
           </a:p>
@@ -414,7 +414,7 @@
           <a:p>
             <a:fld id="{33410655-8652-4A1C-BE76-224AE6BB833E}" type="datetimeFigureOut">
               <a:rPr lang="en-US" smtClean="0"/>
-              <a:t>1/16/2026</a:t>
+              <a:t>1/23/2026</a:t>
             </a:fld>
             <a:endParaRPr lang="en-US"/>
           </a:p>
@@ -594,7 +594,7 @@
           <a:p>
             <a:fld id="{33410655-8652-4A1C-BE76-224AE6BB833E}" type="datetimeFigureOut">
               <a:rPr lang="en-US" smtClean="0"/>
-              <a:t>1/16/2026</a:t>
+              <a:t>1/23/2026</a:t>
             </a:fld>
             <a:endParaRPr lang="en-US"/>
           </a:p>
@@ -764,7 +764,7 @@
           <a:p>
             <a:fld id="{33410655-8652-4A1C-BE76-224AE6BB833E}" type="datetimeFigureOut">
               <a:rPr lang="en-US" smtClean="0"/>
-              <a:t>1/16/2026</a:t>
+              <a:t>1/23/2026</a:t>
             </a:fld>
             <a:endParaRPr lang="en-US"/>
           </a:p>
@@ -1010,7 +1010,7 @@
           <a:p>
             <a:fld id="{33410655-8652-4A1C-BE76-224AE6BB833E}" type="datetimeFigureOut">
               <a:rPr lang="en-US" smtClean="0"/>
-              <a:t>1/16/2026</a:t>
+              <a:t>1/23/2026</a:t>
             </a:fld>
             <a:endParaRPr lang="en-US"/>
           </a:p>
@@ -1242,7 +1242,7 @@
           <a:p>
             <a:fld id="{33410655-8652-4A1C-BE76-224AE6BB833E}" type="datetimeFigureOut">
               <a:rPr lang="en-US" smtClean="0"/>
-              <a:t>1/16/2026</a:t>
+              <a:t>1/23/2026</a:t>
             </a:fld>
             <a:endParaRPr lang="en-US"/>
           </a:p>
@@ -1609,7 +1609,7 @@
           <a:p>
             <a:fld id="{33410655-8652-4A1C-BE76-224AE6BB833E}" type="datetimeFigureOut">
               <a:rPr lang="en-US" smtClean="0"/>
-              <a:t>1/16/2026</a:t>
+              <a:t>1/23/2026</a:t>
             </a:fld>
             <a:endParaRPr lang="en-US"/>
           </a:p>
@@ -1727,7 +1727,7 @@
           <a:p>
             <a:fld id="{33410655-8652-4A1C-BE76-224AE6BB833E}" type="datetimeFigureOut">
               <a:rPr lang="en-US" smtClean="0"/>
-              <a:t>1/16/2026</a:t>
+              <a:t>1/23/2026</a:t>
             </a:fld>
             <a:endParaRPr lang="en-US"/>
           </a:p>
@@ -1822,7 +1822,7 @@
           <a:p>
             <a:fld id="{33410655-8652-4A1C-BE76-224AE6BB833E}" type="datetimeFigureOut">
               <a:rPr lang="en-US" smtClean="0"/>
-              <a:t>1/16/2026</a:t>
+              <a:t>1/23/2026</a:t>
             </a:fld>
             <a:endParaRPr lang="en-US"/>
           </a:p>
@@ -2099,7 +2099,7 @@
           <a:p>
             <a:fld id="{33410655-8652-4A1C-BE76-224AE6BB833E}" type="datetimeFigureOut">
               <a:rPr lang="en-US" smtClean="0"/>
-              <a:t>1/16/2026</a:t>
+              <a:t>1/23/2026</a:t>
             </a:fld>
             <a:endParaRPr lang="en-US"/>
           </a:p>
@@ -2356,7 +2356,7 @@
           <a:p>
             <a:fld id="{33410655-8652-4A1C-BE76-224AE6BB833E}" type="datetimeFigureOut">
               <a:rPr lang="en-US" smtClean="0"/>
-              <a:t>1/16/2026</a:t>
+              <a:t>1/23/2026</a:t>
             </a:fld>
             <a:endParaRPr lang="en-US"/>
           </a:p>
@@ -2569,7 +2569,7 @@
           <a:p>
             <a:fld id="{33410655-8652-4A1C-BE76-224AE6BB833E}" type="datetimeFigureOut">
               <a:rPr lang="en-US" smtClean="0"/>
-              <a:t>1/16/2026</a:t>
+              <a:t>1/23/2026</a:t>
             </a:fld>
             <a:endParaRPr lang="en-US"/>
           </a:p>
@@ -3373,8 +3373,8 @@
         </p:nvSpPr>
         <p:spPr>
           <a:xfrm>
-            <a:off x="2379130" y="1574808"/>
-            <a:ext cx="1642532" cy="615150"/>
+            <a:off x="2379130" y="1017927"/>
+            <a:ext cx="1642532" cy="453368"/>
           </a:xfrm>
           <a:prstGeom prst="roundRect">
             <a:avLst/>
@@ -3408,8 +3408,8 @@
           <a:p>
             <a:pPr algn="ctr"/>
             <a:r>
-              <a:rPr lang="en-US" sz="1600" dirty="0"/>
-              <a:t>Web Research Agent</a:t>
+              <a:rPr lang="en-US" sz="1400" dirty="0"/>
+              <a:t>Researcher Agent</a:t>
             </a:r>
           </a:p>
         </p:txBody>
@@ -3428,8 +3428,8 @@
         </p:nvSpPr>
         <p:spPr>
           <a:xfrm>
-            <a:off x="4656664" y="1574809"/>
-            <a:ext cx="1642532" cy="615150"/>
+            <a:off x="4656664" y="1017928"/>
+            <a:ext cx="1642532" cy="453368"/>
           </a:xfrm>
           <a:prstGeom prst="roundRect">
             <a:avLst/>
@@ -3463,8 +3463,8 @@
           <a:p>
             <a:pPr algn="ctr"/>
             <a:r>
-              <a:rPr lang="en-US" sz="1600" dirty="0"/>
-              <a:t>Text Analysis Agent</a:t>
+              <a:rPr lang="en-US" sz="1400" dirty="0"/>
+              <a:t>Writer Agent</a:t>
             </a:r>
           </a:p>
         </p:txBody>
@@ -3483,8 +3483,8 @@
         </p:nvSpPr>
         <p:spPr>
           <a:xfrm>
-            <a:off x="6934198" y="1574807"/>
-            <a:ext cx="1642532" cy="615150"/>
+            <a:off x="6934198" y="1017926"/>
+            <a:ext cx="1642532" cy="453368"/>
           </a:xfrm>
           <a:prstGeom prst="roundRect">
             <a:avLst/>
@@ -3518,8 +3518,8 @@
           <a:p>
             <a:pPr algn="ctr"/>
             <a:r>
-              <a:rPr lang="en-US" sz="1600" dirty="0"/>
-              <a:t>Summary Agent</a:t>
+              <a:rPr lang="en-US" sz="1400" dirty="0"/>
+              <a:t>Editor Agent</a:t>
             </a:r>
           </a:p>
         </p:txBody>
@@ -3553,8 +3553,8 @@
         </p:blipFill>
         <p:spPr bwMode="auto">
           <a:xfrm>
-            <a:off x="2918676" y="1063754"/>
-            <a:ext cx="553244" cy="553244"/>
+            <a:off x="2918676" y="658125"/>
+            <a:ext cx="553244" cy="407743"/>
           </a:xfrm>
           <a:prstGeom prst="rect">
             <a:avLst/>
@@ -3600,8 +3600,8 @@
         </p:blipFill>
         <p:spPr bwMode="auto">
           <a:xfrm>
-            <a:off x="5198988" y="1063754"/>
-            <a:ext cx="553244" cy="553244"/>
+            <a:off x="5198988" y="658125"/>
+            <a:ext cx="553244" cy="407743"/>
           </a:xfrm>
           <a:prstGeom prst="rect">
             <a:avLst/>
@@ -3647,8 +3647,8 @@
         </p:blipFill>
         <p:spPr bwMode="auto">
           <a:xfrm>
-            <a:off x="7476522" y="1063754"/>
-            <a:ext cx="553244" cy="553244"/>
+            <a:off x="7476522" y="658125"/>
+            <a:ext cx="553244" cy="407743"/>
           </a:xfrm>
           <a:prstGeom prst="rect">
             <a:avLst/>
@@ -3683,7 +3683,7 @@
         </p:nvCxnSpPr>
         <p:spPr>
           <a:xfrm>
-            <a:off x="4021662" y="1882383"/>
+            <a:off x="4021662" y="1244611"/>
             <a:ext cx="635002" cy="1"/>
           </a:xfrm>
           <a:prstGeom prst="straightConnector1">
@@ -3729,7 +3729,7 @@
         </p:nvCxnSpPr>
         <p:spPr>
           <a:xfrm flipV="1">
-            <a:off x="6299196" y="1882382"/>
+            <a:off x="6299196" y="1244610"/>
             <a:ext cx="635002" cy="2"/>
           </a:xfrm>
           <a:prstGeom prst="straightConnector1">
@@ -3771,8 +3771,8 @@
         </p:nvSpPr>
         <p:spPr>
           <a:xfrm>
-            <a:off x="2218263" y="990601"/>
-            <a:ext cx="6527804" cy="1351771"/>
+            <a:off x="2218263" y="584398"/>
+            <a:ext cx="6527804" cy="2118483"/>
           </a:xfrm>
           <a:prstGeom prst="roundRect">
             <a:avLst/>
@@ -3806,7 +3806,7 @@
           <a:lstStyle/>
           <a:p>
             <a:pPr algn="ctr"/>
-            <a:endParaRPr lang="en-US" dirty="0"/>
+            <a:endParaRPr lang="en-US" sz="1400" dirty="0"/>
           </a:p>
         </p:txBody>
       </p:sp>
@@ -3933,7 +3933,7 @@
         </p:blipFill>
         <p:spPr bwMode="auto">
           <a:xfrm>
-            <a:off x="3134182" y="2723861"/>
+            <a:off x="3127307" y="3026371"/>
             <a:ext cx="561577" cy="561577"/>
           </a:xfrm>
           <a:prstGeom prst="rect">
@@ -3980,7 +3980,7 @@
         </p:blipFill>
         <p:spPr bwMode="auto">
           <a:xfrm>
-            <a:off x="7291778" y="2723861"/>
+            <a:off x="7284903" y="3026371"/>
             <a:ext cx="561577" cy="561577"/>
           </a:xfrm>
           <a:prstGeom prst="rect">
@@ -4015,7 +4015,7 @@
         </p:nvCxnSpPr>
         <p:spPr>
           <a:xfrm>
-            <a:off x="3695759" y="3004650"/>
+            <a:off x="3688884" y="3307160"/>
             <a:ext cx="3596019" cy="0"/>
           </a:xfrm>
           <a:prstGeom prst="line">
@@ -4071,7 +4071,7 @@
         </p:blipFill>
         <p:spPr bwMode="auto">
           <a:xfrm>
-            <a:off x="5212980" y="2720446"/>
+            <a:off x="5206105" y="3022956"/>
             <a:ext cx="561577" cy="561577"/>
           </a:xfrm>
           <a:prstGeom prst="rect">
@@ -4106,8 +4106,8 @@
         </p:nvCxnSpPr>
         <p:spPr>
           <a:xfrm>
-            <a:off x="5482165" y="2342372"/>
-            <a:ext cx="11056" cy="384906"/>
+            <a:off x="5482165" y="2702881"/>
+            <a:ext cx="11056" cy="326907"/>
           </a:xfrm>
           <a:prstGeom prst="line">
             <a:avLst/>
@@ -4147,7 +4147,7 @@
         </p:nvSpPr>
         <p:spPr>
           <a:xfrm>
-            <a:off x="2593704" y="3666924"/>
+            <a:off x="2586829" y="3969434"/>
             <a:ext cx="1642532" cy="561575"/>
           </a:xfrm>
           <a:prstGeom prst="roundRect">
@@ -4182,14 +4182,14 @@
           <a:p>
             <a:pPr algn="ctr"/>
             <a:r>
-              <a:rPr lang="en-US" sz="1600" dirty="0"/>
+              <a:rPr lang="en-US" sz="1400" dirty="0"/>
               <a:t>Web Search</a:t>
             </a:r>
           </a:p>
           <a:p>
             <a:pPr algn="ctr"/>
             <a:r>
-              <a:rPr lang="en-US" sz="1600" dirty="0"/>
+              <a:rPr lang="en-US" sz="1400" dirty="0"/>
               <a:t>Tool</a:t>
             </a:r>
           </a:p>
@@ -4209,7 +4209,7 @@
         </p:nvSpPr>
         <p:spPr>
           <a:xfrm>
-            <a:off x="4671955" y="3666924"/>
+            <a:off x="4665080" y="3969434"/>
             <a:ext cx="1642532" cy="561575"/>
           </a:xfrm>
           <a:prstGeom prst="roundRect">
@@ -4244,14 +4244,14 @@
           <a:p>
             <a:pPr algn="ctr"/>
             <a:r>
-              <a:rPr lang="en-US" sz="1600" dirty="0"/>
+              <a:rPr lang="en-US" sz="1400" dirty="0"/>
               <a:t>Page Scraper</a:t>
             </a:r>
           </a:p>
           <a:p>
             <a:pPr algn="ctr"/>
             <a:r>
-              <a:rPr lang="en-US" sz="1600" dirty="0"/>
+              <a:rPr lang="en-US" sz="1400" dirty="0"/>
               <a:t>Tool</a:t>
             </a:r>
           </a:p>
@@ -4271,7 +4271,7 @@
         </p:nvSpPr>
         <p:spPr>
           <a:xfrm>
-            <a:off x="6751300" y="3662850"/>
+            <a:off x="6744425" y="3965360"/>
             <a:ext cx="1642532" cy="561575"/>
           </a:xfrm>
           <a:prstGeom prst="roundRect">
@@ -4306,14 +4306,14 @@
           <a:p>
             <a:pPr algn="ctr"/>
             <a:r>
-              <a:rPr lang="en-US" sz="1600" dirty="0"/>
+              <a:rPr lang="en-US" sz="1400" dirty="0"/>
               <a:t>File Manager</a:t>
             </a:r>
           </a:p>
           <a:p>
             <a:pPr algn="ctr"/>
             <a:r>
-              <a:rPr lang="en-US" sz="1600" dirty="0"/>
+              <a:rPr lang="en-US" sz="1400" dirty="0"/>
               <a:t>Tool</a:t>
             </a:r>
           </a:p>
@@ -4337,7 +4337,7 @@
         </p:nvCxnSpPr>
         <p:spPr>
           <a:xfrm flipH="1">
-            <a:off x="7572566" y="3285438"/>
+            <a:off x="7565691" y="3587948"/>
             <a:ext cx="1" cy="377412"/>
           </a:xfrm>
           <a:prstGeom prst="straightConnector1">
@@ -4383,7 +4383,7 @@
         </p:nvCxnSpPr>
         <p:spPr>
           <a:xfrm flipH="1">
-            <a:off x="5493221" y="3282023"/>
+            <a:off x="5486346" y="3584533"/>
             <a:ext cx="548" cy="384901"/>
           </a:xfrm>
           <a:prstGeom prst="straightConnector1">
@@ -4429,7 +4429,7 @@
         </p:nvCxnSpPr>
         <p:spPr>
           <a:xfrm flipH="1">
-            <a:off x="3414970" y="3285438"/>
+            <a:off x="3408095" y="3587948"/>
             <a:ext cx="1" cy="381486"/>
           </a:xfrm>
           <a:prstGeom prst="straightConnector1">
@@ -4471,8 +4471,8 @@
         </p:nvSpPr>
         <p:spPr>
           <a:xfrm>
-            <a:off x="2053695" y="660407"/>
-            <a:ext cx="6895571" cy="3773366"/>
+            <a:off x="2053695" y="226881"/>
+            <a:ext cx="6895571" cy="4620128"/>
           </a:xfrm>
           <a:prstGeom prst="rect">
             <a:avLst/>
@@ -4506,7 +4506,7 @@
           <a:lstStyle/>
           <a:p>
             <a:pPr algn="ctr"/>
-            <a:endParaRPr lang="en-US"/>
+            <a:endParaRPr lang="en-US" sz="1400"/>
           </a:p>
         </p:txBody>
       </p:sp>
@@ -4527,9 +4527,9 @@
           <p:nvPr/>
         </p:nvCxnSpPr>
         <p:spPr>
-          <a:xfrm flipV="1">
-            <a:off x="8949266" y="2544740"/>
-            <a:ext cx="702098" cy="2350"/>
+          <a:xfrm>
+            <a:off x="8949266" y="2536945"/>
+            <a:ext cx="702098" cy="7795"/>
           </a:xfrm>
           <a:prstGeom prst="straightConnector1">
             <a:avLst/>
@@ -4574,8 +4574,8 @@
         </p:nvCxnSpPr>
         <p:spPr>
           <a:xfrm flipV="1">
-            <a:off x="1285039" y="2547090"/>
-            <a:ext cx="768656" cy="747"/>
+            <a:off x="1285039" y="2536945"/>
+            <a:ext cx="768656" cy="10892"/>
           </a:xfrm>
           <a:prstGeom prst="straightConnector1">
             <a:avLst/>
@@ -4584,6 +4584,312 @@
             <a:solidFill>
               <a:srgbClr val="D9D2C8"/>
             </a:solidFill>
+            <a:tailEnd type="arrow"/>
+          </a:ln>
+        </p:spPr>
+        <p:style>
+          <a:lnRef idx="2">
+            <a:schemeClr val="accent1"/>
+          </a:lnRef>
+          <a:fillRef idx="0">
+            <a:schemeClr val="accent1"/>
+          </a:fillRef>
+          <a:effectRef idx="1">
+            <a:schemeClr val="accent1"/>
+          </a:effectRef>
+          <a:fontRef idx="minor">
+            <a:schemeClr val="tx1"/>
+          </a:fontRef>
+        </p:style>
+      </p:cxnSp>
+      <p:sp>
+        <p:nvSpPr>
+          <p:cNvPr id="17" name="Rectangle: Rounded Corners 16">
+            <a:extLst>
+              <a:ext uri="{FF2B5EF4-FFF2-40B4-BE49-F238E27FC236}">
+                <a16:creationId xmlns:a16="http://schemas.microsoft.com/office/drawing/2014/main" id="{D9881745-3D55-4E4D-9F96-0BA991E45EE0}"/>
+              </a:ext>
+            </a:extLst>
+          </p:cNvPr>
+          <p:cNvSpPr/>
+          <p:nvPr/>
+        </p:nvSpPr>
+        <p:spPr>
+          <a:xfrm>
+            <a:off x="2380277" y="1892226"/>
+            <a:ext cx="1642532" cy="453368"/>
+          </a:xfrm>
+          <a:prstGeom prst="roundRect">
+            <a:avLst/>
+          </a:prstGeom>
+          <a:noFill/>
+          <a:ln w="19050">
+            <a:solidFill>
+              <a:srgbClr val="D9D2C8"/>
+            </a:solidFill>
+          </a:ln>
+        </p:spPr>
+        <p:style>
+          <a:lnRef idx="2">
+            <a:schemeClr val="accent1">
+              <a:shade val="15000"/>
+            </a:schemeClr>
+          </a:lnRef>
+          <a:fillRef idx="1">
+            <a:schemeClr val="accent1"/>
+          </a:fillRef>
+          <a:effectRef idx="0">
+            <a:schemeClr val="accent1"/>
+          </a:effectRef>
+          <a:fontRef idx="minor">
+            <a:schemeClr val="lt1"/>
+          </a:fontRef>
+        </p:style>
+        <p:txBody>
+          <a:bodyPr rtlCol="0" anchor="ctr"/>
+          <a:lstStyle/>
+          <a:p>
+            <a:pPr algn="ctr"/>
+            <a:r>
+              <a:rPr lang="en-US" sz="1400" dirty="0"/>
+              <a:t>Researcher Task</a:t>
+            </a:r>
+          </a:p>
+        </p:txBody>
+      </p:sp>
+      <p:sp>
+        <p:nvSpPr>
+          <p:cNvPr id="18" name="Rectangle: Rounded Corners 17">
+            <a:extLst>
+              <a:ext uri="{FF2B5EF4-FFF2-40B4-BE49-F238E27FC236}">
+                <a16:creationId xmlns:a16="http://schemas.microsoft.com/office/drawing/2014/main" id="{F165E03A-A92C-6975-7D49-742721E41489}"/>
+              </a:ext>
+            </a:extLst>
+          </p:cNvPr>
+          <p:cNvSpPr/>
+          <p:nvPr/>
+        </p:nvSpPr>
+        <p:spPr>
+          <a:xfrm>
+            <a:off x="4657811" y="1892227"/>
+            <a:ext cx="1642532" cy="453368"/>
+          </a:xfrm>
+          <a:prstGeom prst="roundRect">
+            <a:avLst/>
+          </a:prstGeom>
+          <a:noFill/>
+          <a:ln w="19050">
+            <a:solidFill>
+              <a:srgbClr val="D9D2C8"/>
+            </a:solidFill>
+          </a:ln>
+        </p:spPr>
+        <p:style>
+          <a:lnRef idx="2">
+            <a:schemeClr val="accent1">
+              <a:shade val="15000"/>
+            </a:schemeClr>
+          </a:lnRef>
+          <a:fillRef idx="1">
+            <a:schemeClr val="accent1"/>
+          </a:fillRef>
+          <a:effectRef idx="0">
+            <a:schemeClr val="accent1"/>
+          </a:effectRef>
+          <a:fontRef idx="minor">
+            <a:schemeClr val="lt1"/>
+          </a:fontRef>
+        </p:style>
+        <p:txBody>
+          <a:bodyPr rtlCol="0" anchor="ctr"/>
+          <a:lstStyle/>
+          <a:p>
+            <a:pPr algn="ctr"/>
+            <a:r>
+              <a:rPr lang="en-US" sz="1400" dirty="0"/>
+              <a:t>Writer Task</a:t>
+            </a:r>
+          </a:p>
+        </p:txBody>
+      </p:sp>
+      <p:sp>
+        <p:nvSpPr>
+          <p:cNvPr id="19" name="Rectangle: Rounded Corners 18">
+            <a:extLst>
+              <a:ext uri="{FF2B5EF4-FFF2-40B4-BE49-F238E27FC236}">
+                <a16:creationId xmlns:a16="http://schemas.microsoft.com/office/drawing/2014/main" id="{6578ABF8-3AC0-DBEC-0A66-71B26F806DF1}"/>
+              </a:ext>
+            </a:extLst>
+          </p:cNvPr>
+          <p:cNvSpPr/>
+          <p:nvPr/>
+        </p:nvSpPr>
+        <p:spPr>
+          <a:xfrm>
+            <a:off x="6935345" y="1892225"/>
+            <a:ext cx="1642532" cy="453368"/>
+          </a:xfrm>
+          <a:prstGeom prst="roundRect">
+            <a:avLst/>
+          </a:prstGeom>
+          <a:noFill/>
+          <a:ln w="19050">
+            <a:solidFill>
+              <a:srgbClr val="D9D2C8"/>
+            </a:solidFill>
+          </a:ln>
+        </p:spPr>
+        <p:style>
+          <a:lnRef idx="2">
+            <a:schemeClr val="accent1">
+              <a:shade val="15000"/>
+            </a:schemeClr>
+          </a:lnRef>
+          <a:fillRef idx="1">
+            <a:schemeClr val="accent1"/>
+          </a:fillRef>
+          <a:effectRef idx="0">
+            <a:schemeClr val="accent1"/>
+          </a:effectRef>
+          <a:fontRef idx="minor">
+            <a:schemeClr val="lt1"/>
+          </a:fontRef>
+        </p:style>
+        <p:txBody>
+          <a:bodyPr rtlCol="0" anchor="ctr"/>
+          <a:lstStyle/>
+          <a:p>
+            <a:pPr algn="ctr"/>
+            <a:r>
+              <a:rPr lang="en-US" sz="1400" dirty="0"/>
+              <a:t>Editor Task</a:t>
+            </a:r>
+          </a:p>
+        </p:txBody>
+      </p:sp>
+      <p:cxnSp>
+        <p:nvCxnSpPr>
+          <p:cNvPr id="33" name="Straight Arrow Connector 32">
+            <a:extLst>
+              <a:ext uri="{FF2B5EF4-FFF2-40B4-BE49-F238E27FC236}">
+                <a16:creationId xmlns:a16="http://schemas.microsoft.com/office/drawing/2014/main" id="{C11543F9-B3D7-E695-FB47-26F74A5156C4}"/>
+              </a:ext>
+            </a:extLst>
+          </p:cNvPr>
+          <p:cNvCxnSpPr>
+            <a:cxnSpLocks/>
+            <a:stCxn id="17" idx="0"/>
+            <a:endCxn id="2" idx="2"/>
+          </p:cNvCxnSpPr>
+          <p:nvPr/>
+        </p:nvCxnSpPr>
+        <p:spPr>
+          <a:xfrm flipH="1" flipV="1">
+            <a:off x="3200396" y="1471295"/>
+            <a:ext cx="1147" cy="420931"/>
+          </a:xfrm>
+          <a:prstGeom prst="straightConnector1">
+            <a:avLst/>
+          </a:prstGeom>
+          <a:ln w="19050">
+            <a:solidFill>
+              <a:srgbClr val="D9D2C8"/>
+            </a:solidFill>
+            <a:prstDash val="sysDash"/>
+            <a:tailEnd type="arrow"/>
+          </a:ln>
+        </p:spPr>
+        <p:style>
+          <a:lnRef idx="2">
+            <a:schemeClr val="accent1"/>
+          </a:lnRef>
+          <a:fillRef idx="0">
+            <a:schemeClr val="accent1"/>
+          </a:fillRef>
+          <a:effectRef idx="1">
+            <a:schemeClr val="accent1"/>
+          </a:effectRef>
+          <a:fontRef idx="minor">
+            <a:schemeClr val="tx1"/>
+          </a:fontRef>
+        </p:style>
+      </p:cxnSp>
+      <p:cxnSp>
+        <p:nvCxnSpPr>
+          <p:cNvPr id="40" name="Straight Arrow Connector 39">
+            <a:extLst>
+              <a:ext uri="{FF2B5EF4-FFF2-40B4-BE49-F238E27FC236}">
+                <a16:creationId xmlns:a16="http://schemas.microsoft.com/office/drawing/2014/main" id="{5BE8151F-4D1B-C1B0-D90C-FEAC3DAD766E}"/>
+              </a:ext>
+            </a:extLst>
+          </p:cNvPr>
+          <p:cNvCxnSpPr>
+            <a:cxnSpLocks/>
+            <a:stCxn id="18" idx="0"/>
+            <a:endCxn id="3" idx="2"/>
+          </p:cNvCxnSpPr>
+          <p:nvPr/>
+        </p:nvCxnSpPr>
+        <p:spPr>
+          <a:xfrm flipH="1" flipV="1">
+            <a:off x="5477930" y="1471296"/>
+            <a:ext cx="1147" cy="420931"/>
+          </a:xfrm>
+          <a:prstGeom prst="straightConnector1">
+            <a:avLst/>
+          </a:prstGeom>
+          <a:ln w="19050">
+            <a:solidFill>
+              <a:srgbClr val="D9D2C8"/>
+            </a:solidFill>
+            <a:prstDash val="sysDash"/>
+            <a:tailEnd type="arrow"/>
+          </a:ln>
+        </p:spPr>
+        <p:style>
+          <a:lnRef idx="2">
+            <a:schemeClr val="accent1"/>
+          </a:lnRef>
+          <a:fillRef idx="0">
+            <a:schemeClr val="accent1"/>
+          </a:fillRef>
+          <a:effectRef idx="1">
+            <a:schemeClr val="accent1"/>
+          </a:effectRef>
+          <a:fontRef idx="minor">
+            <a:schemeClr val="tx1"/>
+          </a:fontRef>
+        </p:style>
+      </p:cxnSp>
+      <p:cxnSp>
+        <p:nvCxnSpPr>
+          <p:cNvPr id="43" name="Straight Arrow Connector 42">
+            <a:extLst>
+              <a:ext uri="{FF2B5EF4-FFF2-40B4-BE49-F238E27FC236}">
+                <a16:creationId xmlns:a16="http://schemas.microsoft.com/office/drawing/2014/main" id="{388758EB-C8A6-E9D8-DA73-9A40BAC5D269}"/>
+              </a:ext>
+            </a:extLst>
+          </p:cNvPr>
+          <p:cNvCxnSpPr>
+            <a:cxnSpLocks/>
+            <a:stCxn id="19" idx="0"/>
+            <a:endCxn id="4" idx="2"/>
+          </p:cNvCxnSpPr>
+          <p:nvPr/>
+        </p:nvCxnSpPr>
+        <p:spPr>
+          <a:xfrm flipH="1" flipV="1">
+            <a:off x="7755464" y="1471294"/>
+            <a:ext cx="1147" cy="420931"/>
+          </a:xfrm>
+          <a:prstGeom prst="straightConnector1">
+            <a:avLst/>
+          </a:prstGeom>
+          <a:ln w="19050">
+            <a:solidFill>
+              <a:srgbClr val="D9D2C8"/>
+            </a:solidFill>
+            <a:prstDash val="sysDash"/>
             <a:tailEnd type="arrow"/>
           </a:ln>
         </p:spPr>

--- a/images/projects/Presentation1.pptx
+++ b/images/projects/Presentation1.pptx
@@ -244,7 +244,7 @@
           <a:p>
             <a:fld id="{33410655-8652-4A1C-BE76-224AE6BB833E}" type="datetimeFigureOut">
               <a:rPr lang="en-US" smtClean="0"/>
-              <a:t>1/23/2026</a:t>
+              <a:t>1/24/2026</a:t>
             </a:fld>
             <a:endParaRPr lang="en-US"/>
           </a:p>
@@ -414,7 +414,7 @@
           <a:p>
             <a:fld id="{33410655-8652-4A1C-BE76-224AE6BB833E}" type="datetimeFigureOut">
               <a:rPr lang="en-US" smtClean="0"/>
-              <a:t>1/23/2026</a:t>
+              <a:t>1/24/2026</a:t>
             </a:fld>
             <a:endParaRPr lang="en-US"/>
           </a:p>
@@ -594,7 +594,7 @@
           <a:p>
             <a:fld id="{33410655-8652-4A1C-BE76-224AE6BB833E}" type="datetimeFigureOut">
               <a:rPr lang="en-US" smtClean="0"/>
-              <a:t>1/23/2026</a:t>
+              <a:t>1/24/2026</a:t>
             </a:fld>
             <a:endParaRPr lang="en-US"/>
           </a:p>
@@ -764,7 +764,7 @@
           <a:p>
             <a:fld id="{33410655-8652-4A1C-BE76-224AE6BB833E}" type="datetimeFigureOut">
               <a:rPr lang="en-US" smtClean="0"/>
-              <a:t>1/23/2026</a:t>
+              <a:t>1/24/2026</a:t>
             </a:fld>
             <a:endParaRPr lang="en-US"/>
           </a:p>
@@ -1010,7 +1010,7 @@
           <a:p>
             <a:fld id="{33410655-8652-4A1C-BE76-224AE6BB833E}" type="datetimeFigureOut">
               <a:rPr lang="en-US" smtClean="0"/>
-              <a:t>1/23/2026</a:t>
+              <a:t>1/24/2026</a:t>
             </a:fld>
             <a:endParaRPr lang="en-US"/>
           </a:p>
@@ -1242,7 +1242,7 @@
           <a:p>
             <a:fld id="{33410655-8652-4A1C-BE76-224AE6BB833E}" type="datetimeFigureOut">
               <a:rPr lang="en-US" smtClean="0"/>
-              <a:t>1/23/2026</a:t>
+              <a:t>1/24/2026</a:t>
             </a:fld>
             <a:endParaRPr lang="en-US"/>
           </a:p>
@@ -1609,7 +1609,7 @@
           <a:p>
             <a:fld id="{33410655-8652-4A1C-BE76-224AE6BB833E}" type="datetimeFigureOut">
               <a:rPr lang="en-US" smtClean="0"/>
-              <a:t>1/23/2026</a:t>
+              <a:t>1/24/2026</a:t>
             </a:fld>
             <a:endParaRPr lang="en-US"/>
           </a:p>
@@ -1727,7 +1727,7 @@
           <a:p>
             <a:fld id="{33410655-8652-4A1C-BE76-224AE6BB833E}" type="datetimeFigureOut">
               <a:rPr lang="en-US" smtClean="0"/>
-              <a:t>1/23/2026</a:t>
+              <a:t>1/24/2026</a:t>
             </a:fld>
             <a:endParaRPr lang="en-US"/>
           </a:p>
@@ -1822,7 +1822,7 @@
           <a:p>
             <a:fld id="{33410655-8652-4A1C-BE76-224AE6BB833E}" type="datetimeFigureOut">
               <a:rPr lang="en-US" smtClean="0"/>
-              <a:t>1/23/2026</a:t>
+              <a:t>1/24/2026</a:t>
             </a:fld>
             <a:endParaRPr lang="en-US"/>
           </a:p>
@@ -2099,7 +2099,7 @@
           <a:p>
             <a:fld id="{33410655-8652-4A1C-BE76-224AE6BB833E}" type="datetimeFigureOut">
               <a:rPr lang="en-US" smtClean="0"/>
-              <a:t>1/23/2026</a:t>
+              <a:t>1/24/2026</a:t>
             </a:fld>
             <a:endParaRPr lang="en-US"/>
           </a:p>
@@ -2356,7 +2356,7 @@
           <a:p>
             <a:fld id="{33410655-8652-4A1C-BE76-224AE6BB833E}" type="datetimeFigureOut">
               <a:rPr lang="en-US" smtClean="0"/>
-              <a:t>1/23/2026</a:t>
+              <a:t>1/24/2026</a:t>
             </a:fld>
             <a:endParaRPr lang="en-US"/>
           </a:p>
@@ -2569,7 +2569,7 @@
           <a:p>
             <a:fld id="{33410655-8652-4A1C-BE76-224AE6BB833E}" type="datetimeFigureOut">
               <a:rPr lang="en-US" smtClean="0"/>
-              <a:t>1/23/2026</a:t>
+              <a:t>1/24/2026</a:t>
             </a:fld>
             <a:endParaRPr lang="en-US"/>
           </a:p>
@@ -3019,6 +3019,9 @@
           <a:prstGeom prst="rect">
             <a:avLst/>
           </a:prstGeom>
+          <a:effectLst>
+            <a:softEdge rad="50800"/>
+          </a:effectLst>
         </p:spPr>
       </p:pic>
       <p:pic>
@@ -3054,6 +3057,9 @@
           <a:prstGeom prst="rect">
             <a:avLst/>
           </a:prstGeom>
+          <a:effectLst>
+            <a:softEdge rad="50800"/>
+          </a:effectLst>
         </p:spPr>
       </p:pic>
       <p:pic>
@@ -3089,6 +3095,9 @@
           <a:prstGeom prst="rect">
             <a:avLst/>
           </a:prstGeom>
+          <a:effectLst>
+            <a:softEdge rad="50800"/>
+          </a:effectLst>
         </p:spPr>
       </p:pic>
       <p:pic>
@@ -3124,6 +3133,9 @@
           <a:prstGeom prst="rect">
             <a:avLst/>
           </a:prstGeom>
+          <a:effectLst>
+            <a:softEdge rad="50800"/>
+          </a:effectLst>
         </p:spPr>
       </p:pic>
       <p:pic>
@@ -3159,6 +3171,9 @@
           <a:prstGeom prst="rect">
             <a:avLst/>
           </a:prstGeom>
+          <a:effectLst>
+            <a:softEdge rad="50800"/>
+          </a:effectLst>
         </p:spPr>
       </p:pic>
       <p:pic>
@@ -3194,6 +3209,9 @@
           <a:prstGeom prst="rect">
             <a:avLst/>
           </a:prstGeom>
+          <a:effectLst>
+            <a:softEdge rad="50800"/>
+          </a:effectLst>
         </p:spPr>
       </p:pic>
       <p:pic>
@@ -3229,6 +3247,9 @@
           <a:prstGeom prst="rect">
             <a:avLst/>
           </a:prstGeom>
+          <a:effectLst>
+            <a:softEdge rad="50800"/>
+          </a:effectLst>
         </p:spPr>
       </p:pic>
       <p:pic>
@@ -3264,6 +3285,9 @@
           <a:prstGeom prst="rect">
             <a:avLst/>
           </a:prstGeom>
+          <a:effectLst>
+            <a:softEdge rad="50800"/>
+          </a:effectLst>
         </p:spPr>
       </p:pic>
       <p:sp>
@@ -3373,7 +3397,7 @@
         </p:nvSpPr>
         <p:spPr>
           <a:xfrm>
-            <a:off x="2379130" y="1017927"/>
+            <a:off x="2379130" y="1141675"/>
             <a:ext cx="1642532" cy="453368"/>
           </a:xfrm>
           <a:prstGeom prst="roundRect">
@@ -3428,7 +3452,7 @@
         </p:nvSpPr>
         <p:spPr>
           <a:xfrm>
-            <a:off x="4656664" y="1017928"/>
+            <a:off x="4656664" y="1141676"/>
             <a:ext cx="1642532" cy="453368"/>
           </a:xfrm>
           <a:prstGeom prst="roundRect">
@@ -3483,7 +3507,7 @@
         </p:nvSpPr>
         <p:spPr>
           <a:xfrm>
-            <a:off x="6934198" y="1017926"/>
+            <a:off x="6934198" y="1141674"/>
             <a:ext cx="1642532" cy="453368"/>
           </a:xfrm>
           <a:prstGeom prst="roundRect">
@@ -3553,7 +3577,7 @@
         </p:blipFill>
         <p:spPr bwMode="auto">
           <a:xfrm>
-            <a:off x="2918676" y="658125"/>
+            <a:off x="2918676" y="781873"/>
             <a:ext cx="553244" cy="407743"/>
           </a:xfrm>
           <a:prstGeom prst="rect">
@@ -3600,7 +3624,7 @@
         </p:blipFill>
         <p:spPr bwMode="auto">
           <a:xfrm>
-            <a:off x="5198988" y="658125"/>
+            <a:off x="5198988" y="781873"/>
             <a:ext cx="553244" cy="407743"/>
           </a:xfrm>
           <a:prstGeom prst="rect">
@@ -3647,7 +3671,7 @@
         </p:blipFill>
         <p:spPr bwMode="auto">
           <a:xfrm>
-            <a:off x="7476522" y="658125"/>
+            <a:off x="7476522" y="781873"/>
             <a:ext cx="553244" cy="407743"/>
           </a:xfrm>
           <a:prstGeom prst="rect">
@@ -3683,7 +3707,7 @@
         </p:nvCxnSpPr>
         <p:spPr>
           <a:xfrm>
-            <a:off x="4021662" y="1244611"/>
+            <a:off x="4021662" y="1368359"/>
             <a:ext cx="635002" cy="1"/>
           </a:xfrm>
           <a:prstGeom prst="straightConnector1">
@@ -3729,7 +3753,7 @@
         </p:nvCxnSpPr>
         <p:spPr>
           <a:xfrm flipV="1">
-            <a:off x="6299196" y="1244610"/>
+            <a:off x="6299196" y="1368358"/>
             <a:ext cx="635002" cy="2"/>
           </a:xfrm>
           <a:prstGeom prst="straightConnector1">
@@ -3771,8 +3795,8 @@
         </p:nvSpPr>
         <p:spPr>
           <a:xfrm>
-            <a:off x="2218263" y="584398"/>
-            <a:ext cx="6527804" cy="2118483"/>
+            <a:off x="2218263" y="736808"/>
+            <a:ext cx="6527804" cy="1963397"/>
           </a:xfrm>
           <a:prstGeom prst="roundRect">
             <a:avLst/>
@@ -3933,7 +3957,7 @@
         </p:blipFill>
         <p:spPr bwMode="auto">
           <a:xfrm>
-            <a:off x="3127307" y="3026371"/>
+            <a:off x="3120432" y="2950743"/>
             <a:ext cx="561577" cy="561577"/>
           </a:xfrm>
           <a:prstGeom prst="rect">
@@ -3980,7 +4004,7 @@
         </p:blipFill>
         <p:spPr bwMode="auto">
           <a:xfrm>
-            <a:off x="7284903" y="3026371"/>
+            <a:off x="7278028" y="2950743"/>
             <a:ext cx="561577" cy="561577"/>
           </a:xfrm>
           <a:prstGeom prst="rect">
@@ -4015,7 +4039,7 @@
         </p:nvCxnSpPr>
         <p:spPr>
           <a:xfrm>
-            <a:off x="3688884" y="3307160"/>
+            <a:off x="3682009" y="3231532"/>
             <a:ext cx="3596019" cy="0"/>
           </a:xfrm>
           <a:prstGeom prst="line">
@@ -4071,7 +4095,7 @@
         </p:blipFill>
         <p:spPr bwMode="auto">
           <a:xfrm>
-            <a:off x="5206105" y="3022956"/>
+            <a:off x="5199230" y="2947328"/>
             <a:ext cx="561577" cy="561577"/>
           </a:xfrm>
           <a:prstGeom prst="rect">
@@ -4101,13 +4125,14 @@
           <p:cNvCxnSpPr>
             <a:cxnSpLocks/>
             <a:stCxn id="13" idx="2"/>
+            <a:endCxn id="1038" idx="0"/>
           </p:cNvCxnSpPr>
           <p:nvPr/>
         </p:nvCxnSpPr>
         <p:spPr>
-          <a:xfrm>
-            <a:off x="5482165" y="2702881"/>
-            <a:ext cx="11056" cy="326907"/>
+          <a:xfrm flipH="1">
+            <a:off x="5480019" y="2700205"/>
+            <a:ext cx="2146" cy="247123"/>
           </a:xfrm>
           <a:prstGeom prst="line">
             <a:avLst/>
@@ -4147,7 +4172,7 @@
         </p:nvSpPr>
         <p:spPr>
           <a:xfrm>
-            <a:off x="2586829" y="3969434"/>
+            <a:off x="2579954" y="3893806"/>
             <a:ext cx="1642532" cy="561575"/>
           </a:xfrm>
           <a:prstGeom prst="roundRect">
@@ -4209,7 +4234,7 @@
         </p:nvSpPr>
         <p:spPr>
           <a:xfrm>
-            <a:off x="4665080" y="3969434"/>
+            <a:off x="4658205" y="3893806"/>
             <a:ext cx="1642532" cy="561575"/>
           </a:xfrm>
           <a:prstGeom prst="roundRect">
@@ -4271,7 +4296,7 @@
         </p:nvSpPr>
         <p:spPr>
           <a:xfrm>
-            <a:off x="6744425" y="3965360"/>
+            <a:off x="6737550" y="3889732"/>
             <a:ext cx="1642532" cy="561575"/>
           </a:xfrm>
           <a:prstGeom prst="roundRect">
@@ -4337,7 +4362,7 @@
         </p:nvCxnSpPr>
         <p:spPr>
           <a:xfrm flipH="1">
-            <a:off x="7565691" y="3587948"/>
+            <a:off x="7558816" y="3512320"/>
             <a:ext cx="1" cy="377412"/>
           </a:xfrm>
           <a:prstGeom prst="straightConnector1">
@@ -4383,7 +4408,7 @@
         </p:nvCxnSpPr>
         <p:spPr>
           <a:xfrm flipH="1">
-            <a:off x="5486346" y="3584533"/>
+            <a:off x="5479471" y="3508905"/>
             <a:ext cx="548" cy="384901"/>
           </a:xfrm>
           <a:prstGeom prst="straightConnector1">
@@ -4429,7 +4454,7 @@
         </p:nvCxnSpPr>
         <p:spPr>
           <a:xfrm flipH="1">
-            <a:off x="3408095" y="3587948"/>
+            <a:off x="3401220" y="3512320"/>
             <a:ext cx="1" cy="381486"/>
           </a:xfrm>
           <a:prstGeom prst="straightConnector1">
@@ -4471,8 +4496,8 @@
         </p:nvSpPr>
         <p:spPr>
           <a:xfrm>
-            <a:off x="2053695" y="226881"/>
-            <a:ext cx="6895571" cy="4620128"/>
+            <a:off x="2053695" y="522513"/>
+            <a:ext cx="6895571" cy="4049486"/>
           </a:xfrm>
           <a:prstGeom prst="rect">
             <a:avLst/>
@@ -4527,9 +4552,9 @@
           <p:nvPr/>
         </p:nvCxnSpPr>
         <p:spPr>
-          <a:xfrm>
-            <a:off x="8949266" y="2536945"/>
-            <a:ext cx="702098" cy="7795"/>
+          <a:xfrm flipV="1">
+            <a:off x="8949266" y="2544740"/>
+            <a:ext cx="702098" cy="2516"/>
           </a:xfrm>
           <a:prstGeom prst="straightConnector1">
             <a:avLst/>
@@ -4574,8 +4599,8 @@
         </p:nvCxnSpPr>
         <p:spPr>
           <a:xfrm flipV="1">
-            <a:off x="1285039" y="2536945"/>
-            <a:ext cx="768656" cy="10892"/>
+            <a:off x="1285039" y="2547256"/>
+            <a:ext cx="768656" cy="581"/>
           </a:xfrm>
           <a:prstGeom prst="straightConnector1">
             <a:avLst/>
@@ -4616,7 +4641,7 @@
         </p:nvSpPr>
         <p:spPr>
           <a:xfrm>
-            <a:off x="2380277" y="1892226"/>
+            <a:off x="2380277" y="2015974"/>
             <a:ext cx="1642532" cy="453368"/>
           </a:xfrm>
           <a:prstGeom prst="roundRect">
@@ -4671,7 +4696,7 @@
         </p:nvSpPr>
         <p:spPr>
           <a:xfrm>
-            <a:off x="4657811" y="1892227"/>
+            <a:off x="4657811" y="2015975"/>
             <a:ext cx="1642532" cy="453368"/>
           </a:xfrm>
           <a:prstGeom prst="roundRect">
@@ -4726,7 +4751,7 @@
         </p:nvSpPr>
         <p:spPr>
           <a:xfrm>
-            <a:off x="6935345" y="1892225"/>
+            <a:off x="6935345" y="2015973"/>
             <a:ext cx="1642532" cy="453368"/>
           </a:xfrm>
           <a:prstGeom prst="roundRect">
@@ -4785,7 +4810,7 @@
         </p:nvCxnSpPr>
         <p:spPr>
           <a:xfrm flipH="1" flipV="1">
-            <a:off x="3200396" y="1471295"/>
+            <a:off x="3200396" y="1595043"/>
             <a:ext cx="1147" cy="420931"/>
           </a:xfrm>
           <a:prstGeom prst="straightConnector1">
@@ -4832,7 +4857,7 @@
         </p:nvCxnSpPr>
         <p:spPr>
           <a:xfrm flipH="1" flipV="1">
-            <a:off x="5477930" y="1471296"/>
+            <a:off x="5477930" y="1595044"/>
             <a:ext cx="1147" cy="420931"/>
           </a:xfrm>
           <a:prstGeom prst="straightConnector1">
@@ -4879,7 +4904,7 @@
         </p:nvCxnSpPr>
         <p:spPr>
           <a:xfrm flipH="1" flipV="1">
-            <a:off x="7755464" y="1471294"/>
+            <a:off x="7755464" y="1595042"/>
             <a:ext cx="1147" cy="420931"/>
           </a:xfrm>
           <a:prstGeom prst="straightConnector1">

--- a/images/projects/Presentation1.pptx
+++ b/images/projects/Presentation1.pptx
@@ -244,7 +244,7 @@
           <a:p>
             <a:fld id="{33410655-8652-4A1C-BE76-224AE6BB833E}" type="datetimeFigureOut">
               <a:rPr lang="en-US" smtClean="0"/>
-              <a:t>1/24/2026</a:t>
+              <a:t>1/26/2026</a:t>
             </a:fld>
             <a:endParaRPr lang="en-US"/>
           </a:p>
@@ -414,7 +414,7 @@
           <a:p>
             <a:fld id="{33410655-8652-4A1C-BE76-224AE6BB833E}" type="datetimeFigureOut">
               <a:rPr lang="en-US" smtClean="0"/>
-              <a:t>1/24/2026</a:t>
+              <a:t>1/26/2026</a:t>
             </a:fld>
             <a:endParaRPr lang="en-US"/>
           </a:p>
@@ -594,7 +594,7 @@
           <a:p>
             <a:fld id="{33410655-8652-4A1C-BE76-224AE6BB833E}" type="datetimeFigureOut">
               <a:rPr lang="en-US" smtClean="0"/>
-              <a:t>1/24/2026</a:t>
+              <a:t>1/26/2026</a:t>
             </a:fld>
             <a:endParaRPr lang="en-US"/>
           </a:p>
@@ -764,7 +764,7 @@
           <a:p>
             <a:fld id="{33410655-8652-4A1C-BE76-224AE6BB833E}" type="datetimeFigureOut">
               <a:rPr lang="en-US" smtClean="0"/>
-              <a:t>1/24/2026</a:t>
+              <a:t>1/26/2026</a:t>
             </a:fld>
             <a:endParaRPr lang="en-US"/>
           </a:p>
@@ -1010,7 +1010,7 @@
           <a:p>
             <a:fld id="{33410655-8652-4A1C-BE76-224AE6BB833E}" type="datetimeFigureOut">
               <a:rPr lang="en-US" smtClean="0"/>
-              <a:t>1/24/2026</a:t>
+              <a:t>1/26/2026</a:t>
             </a:fld>
             <a:endParaRPr lang="en-US"/>
           </a:p>
@@ -1242,7 +1242,7 @@
           <a:p>
             <a:fld id="{33410655-8652-4A1C-BE76-224AE6BB833E}" type="datetimeFigureOut">
               <a:rPr lang="en-US" smtClean="0"/>
-              <a:t>1/24/2026</a:t>
+              <a:t>1/26/2026</a:t>
             </a:fld>
             <a:endParaRPr lang="en-US"/>
           </a:p>
@@ -1609,7 +1609,7 @@
           <a:p>
             <a:fld id="{33410655-8652-4A1C-BE76-224AE6BB833E}" type="datetimeFigureOut">
               <a:rPr lang="en-US" smtClean="0"/>
-              <a:t>1/24/2026</a:t>
+              <a:t>1/26/2026</a:t>
             </a:fld>
             <a:endParaRPr lang="en-US"/>
           </a:p>
@@ -1727,7 +1727,7 @@
           <a:p>
             <a:fld id="{33410655-8652-4A1C-BE76-224AE6BB833E}" type="datetimeFigureOut">
               <a:rPr lang="en-US" smtClean="0"/>
-              <a:t>1/24/2026</a:t>
+              <a:t>1/26/2026</a:t>
             </a:fld>
             <a:endParaRPr lang="en-US"/>
           </a:p>
@@ -1822,7 +1822,7 @@
           <a:p>
             <a:fld id="{33410655-8652-4A1C-BE76-224AE6BB833E}" type="datetimeFigureOut">
               <a:rPr lang="en-US" smtClean="0"/>
-              <a:t>1/24/2026</a:t>
+              <a:t>1/26/2026</a:t>
             </a:fld>
             <a:endParaRPr lang="en-US"/>
           </a:p>
@@ -2099,7 +2099,7 @@
           <a:p>
             <a:fld id="{33410655-8652-4A1C-BE76-224AE6BB833E}" type="datetimeFigureOut">
               <a:rPr lang="en-US" smtClean="0"/>
-              <a:t>1/24/2026</a:t>
+              <a:t>1/26/2026</a:t>
             </a:fld>
             <a:endParaRPr lang="en-US"/>
           </a:p>
@@ -2356,7 +2356,7 @@
           <a:p>
             <a:fld id="{33410655-8652-4A1C-BE76-224AE6BB833E}" type="datetimeFigureOut">
               <a:rPr lang="en-US" smtClean="0"/>
-              <a:t>1/24/2026</a:t>
+              <a:t>1/26/2026</a:t>
             </a:fld>
             <a:endParaRPr lang="en-US"/>
           </a:p>
@@ -2569,7 +2569,7 @@
           <a:p>
             <a:fld id="{33410655-8652-4A1C-BE76-224AE6BB833E}" type="datetimeFigureOut">
               <a:rPr lang="en-US" smtClean="0"/>
-              <a:t>1/24/2026</a:t>
+              <a:t>1/26/2026</a:t>
             </a:fld>
             <a:endParaRPr lang="en-US"/>
           </a:p>
@@ -2963,10 +2963,7 @@
     <p:bg>
       <p:bgPr>
         <a:solidFill>
-          <a:schemeClr val="tx2">
-            <a:lumMod val="90000"/>
-            <a:lumOff val="10000"/>
-          </a:schemeClr>
+          <a:schemeClr val="tx1"/>
         </a:solidFill>
         <a:effectLst/>
       </p:bgPr>
@@ -3020,7 +3017,12 @@
             <a:avLst/>
           </a:prstGeom>
           <a:effectLst>
-            <a:softEdge rad="50800"/>
+            <a:glow>
+              <a:schemeClr val="accent1">
+                <a:alpha val="40000"/>
+              </a:schemeClr>
+            </a:glow>
+            <a:softEdge rad="127000"/>
           </a:effectLst>
         </p:spPr>
       </p:pic>
@@ -3058,7 +3060,12 @@
             <a:avLst/>
           </a:prstGeom>
           <a:effectLst>
-            <a:softEdge rad="50800"/>
+            <a:glow>
+              <a:schemeClr val="accent1">
+                <a:alpha val="40000"/>
+              </a:schemeClr>
+            </a:glow>
+            <a:softEdge rad="127000"/>
           </a:effectLst>
         </p:spPr>
       </p:pic>
@@ -3096,7 +3103,12 @@
             <a:avLst/>
           </a:prstGeom>
           <a:effectLst>
-            <a:softEdge rad="50800"/>
+            <a:glow>
+              <a:schemeClr val="accent1">
+                <a:alpha val="40000"/>
+              </a:schemeClr>
+            </a:glow>
+            <a:softEdge rad="127000"/>
           </a:effectLst>
         </p:spPr>
       </p:pic>
@@ -3134,7 +3146,12 @@
             <a:avLst/>
           </a:prstGeom>
           <a:effectLst>
-            <a:softEdge rad="50800"/>
+            <a:glow>
+              <a:schemeClr val="accent1">
+                <a:alpha val="40000"/>
+              </a:schemeClr>
+            </a:glow>
+            <a:softEdge rad="127000"/>
           </a:effectLst>
         </p:spPr>
       </p:pic>
@@ -3172,7 +3189,12 @@
             <a:avLst/>
           </a:prstGeom>
           <a:effectLst>
-            <a:softEdge rad="50800"/>
+            <a:glow>
+              <a:schemeClr val="accent1">
+                <a:alpha val="40000"/>
+              </a:schemeClr>
+            </a:glow>
+            <a:softEdge rad="127000"/>
           </a:effectLst>
         </p:spPr>
       </p:pic>
@@ -3210,7 +3232,12 @@
             <a:avLst/>
           </a:prstGeom>
           <a:effectLst>
-            <a:softEdge rad="50800"/>
+            <a:glow>
+              <a:schemeClr val="accent1">
+                <a:alpha val="40000"/>
+              </a:schemeClr>
+            </a:glow>
+            <a:softEdge rad="127000"/>
           </a:effectLst>
         </p:spPr>
       </p:pic>
@@ -3248,7 +3275,12 @@
             <a:avLst/>
           </a:prstGeom>
           <a:effectLst>
-            <a:softEdge rad="50800"/>
+            <a:glow>
+              <a:schemeClr val="accent1">
+                <a:alpha val="40000"/>
+              </a:schemeClr>
+            </a:glow>
+            <a:softEdge rad="127000"/>
           </a:effectLst>
         </p:spPr>
       </p:pic>
@@ -3286,7 +3318,12 @@
             <a:avLst/>
           </a:prstGeom>
           <a:effectLst>
-            <a:softEdge rad="50800"/>
+            <a:glow>
+              <a:schemeClr val="accent1">
+                <a:alpha val="40000"/>
+              </a:schemeClr>
+            </a:glow>
+            <a:softEdge rad="127000"/>
           </a:effectLst>
         </p:spPr>
       </p:pic>
@@ -3304,8 +3341,8 @@
         </p:nvSpPr>
         <p:spPr>
           <a:xfrm>
-            <a:off x="4624395" y="2146333"/>
-            <a:ext cx="1552756" cy="747645"/>
+            <a:off x="4556367" y="2180072"/>
+            <a:ext cx="1687028" cy="680167"/>
           </a:xfrm>
           <a:prstGeom prst="rightArrow">
             <a:avLst/>
@@ -3361,10 +3398,7 @@
     <p:bg>
       <p:bgPr>
         <a:solidFill>
-          <a:schemeClr val="tx2">
-            <a:lumMod val="90000"/>
-            <a:lumOff val="10000"/>
-          </a:schemeClr>
+          <a:schemeClr val="tx1"/>
         </a:solidFill>
         <a:effectLst/>
       </p:bgPr>
@@ -3432,7 +3466,7 @@
           <a:p>
             <a:pPr algn="ctr"/>
             <a:r>
-              <a:rPr lang="en-US" sz="1400" dirty="0"/>
+              <a:rPr lang="en-US" sz="1300" b="1" dirty="0"/>
               <a:t>Researcher Agent</a:t>
             </a:r>
           </a:p>
@@ -3487,7 +3521,7 @@
           <a:p>
             <a:pPr algn="ctr"/>
             <a:r>
-              <a:rPr lang="en-US" sz="1400" dirty="0"/>
+              <a:rPr lang="en-US" sz="1300" b="1" dirty="0"/>
               <a:t>Writer Agent</a:t>
             </a:r>
           </a:p>
@@ -3542,7 +3576,7 @@
           <a:p>
             <a:pPr algn="ctr"/>
             <a:r>
-              <a:rPr lang="en-US" sz="1400" dirty="0"/>
+              <a:rPr lang="en-US" sz="1300" b="1" dirty="0"/>
               <a:t>Editor Agent</a:t>
             </a:r>
           </a:p>
@@ -3830,7 +3864,7 @@
           <a:lstStyle/>
           <a:p>
             <a:pPr algn="ctr"/>
-            <a:endParaRPr lang="en-US" sz="1400" dirty="0"/>
+            <a:endParaRPr lang="en-US" sz="1300" b="1" dirty="0"/>
           </a:p>
         </p:txBody>
       </p:sp>
@@ -4207,14 +4241,14 @@
           <a:p>
             <a:pPr algn="ctr"/>
             <a:r>
-              <a:rPr lang="en-US" sz="1400" dirty="0"/>
+              <a:rPr lang="en-US" sz="1300" b="1" dirty="0"/>
               <a:t>Web Search</a:t>
             </a:r>
           </a:p>
           <a:p>
             <a:pPr algn="ctr"/>
             <a:r>
-              <a:rPr lang="en-US" sz="1400" dirty="0"/>
+              <a:rPr lang="en-US" sz="1300" b="1" dirty="0"/>
               <a:t>Tool</a:t>
             </a:r>
           </a:p>
@@ -4269,14 +4303,14 @@
           <a:p>
             <a:pPr algn="ctr"/>
             <a:r>
-              <a:rPr lang="en-US" sz="1400" dirty="0"/>
+              <a:rPr lang="en-US" sz="1300" b="1" dirty="0"/>
               <a:t>Page Scraper</a:t>
             </a:r>
           </a:p>
           <a:p>
             <a:pPr algn="ctr"/>
             <a:r>
-              <a:rPr lang="en-US" sz="1400" dirty="0"/>
+              <a:rPr lang="en-US" sz="1300" b="1" dirty="0"/>
               <a:t>Tool</a:t>
             </a:r>
           </a:p>
@@ -4331,14 +4365,14 @@
           <a:p>
             <a:pPr algn="ctr"/>
             <a:r>
-              <a:rPr lang="en-US" sz="1400" dirty="0"/>
+              <a:rPr lang="en-US" sz="1300" b="1" dirty="0"/>
               <a:t>File Manager</a:t>
             </a:r>
           </a:p>
           <a:p>
             <a:pPr algn="ctr"/>
             <a:r>
-              <a:rPr lang="en-US" sz="1400" dirty="0"/>
+              <a:rPr lang="en-US" sz="1300" b="1" dirty="0"/>
               <a:t>Tool</a:t>
             </a:r>
           </a:p>
@@ -4531,7 +4565,7 @@
           <a:lstStyle/>
           <a:p>
             <a:pPr algn="ctr"/>
-            <a:endParaRPr lang="en-US" sz="1400"/>
+            <a:endParaRPr lang="en-US" sz="1300" b="1"/>
           </a:p>
         </p:txBody>
       </p:sp>
@@ -4676,7 +4710,7 @@
           <a:p>
             <a:pPr algn="ctr"/>
             <a:r>
-              <a:rPr lang="en-US" sz="1400" dirty="0"/>
+              <a:rPr lang="en-US" sz="1300" b="1" dirty="0"/>
               <a:t>Researcher Task</a:t>
             </a:r>
           </a:p>
@@ -4731,7 +4765,7 @@
           <a:p>
             <a:pPr algn="ctr"/>
             <a:r>
-              <a:rPr lang="en-US" sz="1400" dirty="0"/>
+              <a:rPr lang="en-US" sz="1300" b="1" dirty="0"/>
               <a:t>Writer Task</a:t>
             </a:r>
           </a:p>
@@ -4786,7 +4820,7 @@
           <a:p>
             <a:pPr algn="ctr"/>
             <a:r>
-              <a:rPr lang="en-US" sz="1400" dirty="0"/>
+              <a:rPr lang="en-US" sz="1300" b="1" dirty="0"/>
               <a:t>Editor Task</a:t>
             </a:r>
           </a:p>
